--- a/Logo.pptx
+++ b/Logo.pptx
@@ -261,7 +261,7 @@
           <a:p>
             <a:fld id="{4967892D-CE2D-495A-A9CA-7CB88C831AAA}" type="datetimeFigureOut">
               <a:rPr lang="en-IN" smtClean="0"/>
-              <a:t>14-06-2021</a:t>
+              <a:t>16-06-2021</a:t>
             </a:fld>
             <a:endParaRPr lang="en-IN"/>
           </a:p>
@@ -461,7 +461,7 @@
           <a:p>
             <a:fld id="{4967892D-CE2D-495A-A9CA-7CB88C831AAA}" type="datetimeFigureOut">
               <a:rPr lang="en-IN" smtClean="0"/>
-              <a:t>14-06-2021</a:t>
+              <a:t>16-06-2021</a:t>
             </a:fld>
             <a:endParaRPr lang="en-IN"/>
           </a:p>
@@ -671,7 +671,7 @@
           <a:p>
             <a:fld id="{4967892D-CE2D-495A-A9CA-7CB88C831AAA}" type="datetimeFigureOut">
               <a:rPr lang="en-IN" smtClean="0"/>
-              <a:t>14-06-2021</a:t>
+              <a:t>16-06-2021</a:t>
             </a:fld>
             <a:endParaRPr lang="en-IN"/>
           </a:p>
@@ -871,7 +871,7 @@
           <a:p>
             <a:fld id="{4967892D-CE2D-495A-A9CA-7CB88C831AAA}" type="datetimeFigureOut">
               <a:rPr lang="en-IN" smtClean="0"/>
-              <a:t>14-06-2021</a:t>
+              <a:t>16-06-2021</a:t>
             </a:fld>
             <a:endParaRPr lang="en-IN"/>
           </a:p>
@@ -1147,7 +1147,7 @@
           <a:p>
             <a:fld id="{4967892D-CE2D-495A-A9CA-7CB88C831AAA}" type="datetimeFigureOut">
               <a:rPr lang="en-IN" smtClean="0"/>
-              <a:t>14-06-2021</a:t>
+              <a:t>16-06-2021</a:t>
             </a:fld>
             <a:endParaRPr lang="en-IN"/>
           </a:p>
@@ -1415,7 +1415,7 @@
           <a:p>
             <a:fld id="{4967892D-CE2D-495A-A9CA-7CB88C831AAA}" type="datetimeFigureOut">
               <a:rPr lang="en-IN" smtClean="0"/>
-              <a:t>14-06-2021</a:t>
+              <a:t>16-06-2021</a:t>
             </a:fld>
             <a:endParaRPr lang="en-IN"/>
           </a:p>
@@ -1830,7 +1830,7 @@
           <a:p>
             <a:fld id="{4967892D-CE2D-495A-A9CA-7CB88C831AAA}" type="datetimeFigureOut">
               <a:rPr lang="en-IN" smtClean="0"/>
-              <a:t>14-06-2021</a:t>
+              <a:t>16-06-2021</a:t>
             </a:fld>
             <a:endParaRPr lang="en-IN"/>
           </a:p>
@@ -1972,7 +1972,7 @@
           <a:p>
             <a:fld id="{4967892D-CE2D-495A-A9CA-7CB88C831AAA}" type="datetimeFigureOut">
               <a:rPr lang="en-IN" smtClean="0"/>
-              <a:t>14-06-2021</a:t>
+              <a:t>16-06-2021</a:t>
             </a:fld>
             <a:endParaRPr lang="en-IN"/>
           </a:p>
@@ -2085,7 +2085,7 @@
           <a:p>
             <a:fld id="{4967892D-CE2D-495A-A9CA-7CB88C831AAA}" type="datetimeFigureOut">
               <a:rPr lang="en-IN" smtClean="0"/>
-              <a:t>14-06-2021</a:t>
+              <a:t>16-06-2021</a:t>
             </a:fld>
             <a:endParaRPr lang="en-IN"/>
           </a:p>
@@ -2398,7 +2398,7 @@
           <a:p>
             <a:fld id="{4967892D-CE2D-495A-A9CA-7CB88C831AAA}" type="datetimeFigureOut">
               <a:rPr lang="en-IN" smtClean="0"/>
-              <a:t>14-06-2021</a:t>
+              <a:t>16-06-2021</a:t>
             </a:fld>
             <a:endParaRPr lang="en-IN"/>
           </a:p>
@@ -2687,7 +2687,7 @@
           <a:p>
             <a:fld id="{4967892D-CE2D-495A-A9CA-7CB88C831AAA}" type="datetimeFigureOut">
               <a:rPr lang="en-IN" smtClean="0"/>
-              <a:t>14-06-2021</a:t>
+              <a:t>16-06-2021</a:t>
             </a:fld>
             <a:endParaRPr lang="en-IN"/>
           </a:p>
@@ -2930,7 +2930,7 @@
           <a:p>
             <a:fld id="{4967892D-CE2D-495A-A9CA-7CB88C831AAA}" type="datetimeFigureOut">
               <a:rPr lang="en-IN" smtClean="0"/>
-              <a:t>14-06-2021</a:t>
+              <a:t>16-06-2021</a:t>
             </a:fld>
             <a:endParaRPr lang="en-IN"/>
           </a:p>
@@ -3576,6 +3576,257 @@
           </p:txBody>
         </p:sp>
       </p:grpSp>
+      <p:grpSp>
+        <p:nvGrpSpPr>
+          <p:cNvPr id="2" name="Group 1">
+            <a:extLst>
+              <a:ext uri="{FF2B5EF4-FFF2-40B4-BE49-F238E27FC236}">
+                <a16:creationId xmlns:a16="http://schemas.microsoft.com/office/drawing/2014/main" id="{15D37FE1-D005-4A02-8012-E75BF61F9657}"/>
+              </a:ext>
+            </a:extLst>
+          </p:cNvPr>
+          <p:cNvGrpSpPr/>
+          <p:nvPr/>
+        </p:nvGrpSpPr>
+        <p:grpSpPr>
+          <a:xfrm>
+            <a:off x="2143431" y="4830314"/>
+            <a:ext cx="8731045" cy="1013005"/>
+            <a:chOff x="2143431" y="4830314"/>
+            <a:chExt cx="8731045" cy="1013005"/>
+          </a:xfrm>
+        </p:grpSpPr>
+        <p:sp>
+          <p:nvSpPr>
+            <p:cNvPr id="11" name="Rectangle 10">
+              <a:extLst>
+                <a:ext uri="{FF2B5EF4-FFF2-40B4-BE49-F238E27FC236}">
+                  <a16:creationId xmlns:a16="http://schemas.microsoft.com/office/drawing/2014/main" id="{B3BFC372-51CF-4DB8-A60D-2F8C0B9EF120}"/>
+                </a:ext>
+              </a:extLst>
+            </p:cNvPr>
+            <p:cNvSpPr/>
+            <p:nvPr/>
+          </p:nvSpPr>
+          <p:spPr>
+            <a:xfrm>
+              <a:off x="2143431" y="4830314"/>
+              <a:ext cx="8731045" cy="1013005"/>
+            </a:xfrm>
+            <a:prstGeom prst="rect">
+              <a:avLst/>
+            </a:prstGeom>
+            <a:solidFill>
+              <a:srgbClr val="1C5D77"/>
+            </a:solidFill>
+            <a:ln w="28575">
+              <a:solidFill>
+                <a:srgbClr val="1C5D77"/>
+              </a:solidFill>
+            </a:ln>
+          </p:spPr>
+          <p:style>
+            <a:lnRef idx="2">
+              <a:schemeClr val="accent1">
+                <a:shade val="50000"/>
+              </a:schemeClr>
+            </a:lnRef>
+            <a:fillRef idx="1">
+              <a:schemeClr val="accent1"/>
+            </a:fillRef>
+            <a:effectRef idx="0">
+              <a:schemeClr val="accent1"/>
+            </a:effectRef>
+            <a:fontRef idx="minor">
+              <a:schemeClr val="lt1"/>
+            </a:fontRef>
+          </p:style>
+          <p:txBody>
+            <a:bodyPr rtlCol="0" anchor="ctr"/>
+            <a:lstStyle/>
+            <a:p>
+              <a:pPr algn="ctr"/>
+              <a:endParaRPr lang="en-IN"/>
+            </a:p>
+          </p:txBody>
+        </p:sp>
+        <p:pic>
+          <p:nvPicPr>
+            <p:cNvPr id="12" name="Picture 11">
+              <a:extLst>
+                <a:ext uri="{FF2B5EF4-FFF2-40B4-BE49-F238E27FC236}">
+                  <a16:creationId xmlns:a16="http://schemas.microsoft.com/office/drawing/2014/main" id="{74FBDEB7-DB0E-4818-A725-3F2E77B98CAB}"/>
+                </a:ext>
+              </a:extLst>
+            </p:cNvPr>
+            <p:cNvPicPr/>
+            <p:nvPr/>
+          </p:nvPicPr>
+          <p:blipFill>
+            <a:blip r:embed="rId2" cstate="print">
+              <a:extLst>
+                <a:ext uri="{28A0092B-C50C-407E-A947-70E740481C1C}">
+                  <a14:useLocalDpi xmlns:a14="http://schemas.microsoft.com/office/drawing/2010/main" val="0"/>
+                </a:ext>
+              </a:extLst>
+            </a:blip>
+            <a:stretch>
+              <a:fillRect/>
+            </a:stretch>
+          </p:blipFill>
+          <p:spPr>
+            <a:xfrm>
+              <a:off x="2338623" y="5028030"/>
+              <a:ext cx="2920183" cy="656278"/>
+            </a:xfrm>
+            <a:prstGeom prst="rect">
+              <a:avLst/>
+            </a:prstGeom>
+          </p:spPr>
+        </p:pic>
+        <p:pic>
+          <p:nvPicPr>
+            <p:cNvPr id="13" name="Picture 12">
+              <a:extLst>
+                <a:ext uri="{FF2B5EF4-FFF2-40B4-BE49-F238E27FC236}">
+                  <a16:creationId xmlns:a16="http://schemas.microsoft.com/office/drawing/2014/main" id="{95784939-51A4-47C6-8085-65DDADCD3B51}"/>
+                </a:ext>
+              </a:extLst>
+            </p:cNvPr>
+            <p:cNvPicPr/>
+            <p:nvPr/>
+          </p:nvPicPr>
+          <p:blipFill>
+            <a:blip r:embed="rId3" cstate="print">
+              <a:extLst>
+                <a:ext uri="{28A0092B-C50C-407E-A947-70E740481C1C}">
+                  <a14:useLocalDpi xmlns:a14="http://schemas.microsoft.com/office/drawing/2010/main" val="0"/>
+                </a:ext>
+              </a:extLst>
+            </a:blip>
+            <a:stretch/>
+          </p:blipFill>
+          <p:spPr>
+            <a:xfrm>
+              <a:off x="5733771" y="4909819"/>
+              <a:ext cx="1801537" cy="853994"/>
+            </a:xfrm>
+            <a:prstGeom prst="rect">
+              <a:avLst/>
+            </a:prstGeom>
+          </p:spPr>
+        </p:pic>
+        <p:pic>
+          <p:nvPicPr>
+            <p:cNvPr id="14" name="Picture 13">
+              <a:extLst>
+                <a:ext uri="{FF2B5EF4-FFF2-40B4-BE49-F238E27FC236}">
+                  <a16:creationId xmlns:a16="http://schemas.microsoft.com/office/drawing/2014/main" id="{77ACC422-A71B-45EC-A7C2-157A3A9D9381}"/>
+                </a:ext>
+              </a:extLst>
+            </p:cNvPr>
+            <p:cNvPicPr/>
+            <p:nvPr/>
+          </p:nvPicPr>
+          <p:blipFill>
+            <a:blip r:embed="rId4">
+              <a:extLst>
+                <a:ext uri="{28A0092B-C50C-407E-A947-70E740481C1C}">
+                  <a14:useLocalDpi xmlns:a14="http://schemas.microsoft.com/office/drawing/2010/main" val="0"/>
+                </a:ext>
+              </a:extLst>
+            </a:blip>
+            <a:stretch>
+              <a:fillRect/>
+            </a:stretch>
+          </p:blipFill>
+          <p:spPr>
+            <a:xfrm>
+              <a:off x="8010273" y="5028030"/>
+              <a:ext cx="2658625" cy="656278"/>
+            </a:xfrm>
+            <a:prstGeom prst="rect">
+              <a:avLst/>
+            </a:prstGeom>
+          </p:spPr>
+        </p:pic>
+      </p:grpSp>
+      <p:sp>
+        <p:nvSpPr>
+          <p:cNvPr id="15" name="TextBox 14">
+            <a:extLst>
+              <a:ext uri="{FF2B5EF4-FFF2-40B4-BE49-F238E27FC236}">
+                <a16:creationId xmlns:a16="http://schemas.microsoft.com/office/drawing/2014/main" id="{468F35F0-88EA-4BAC-8CBC-DC44136084FA}"/>
+              </a:ext>
+            </a:extLst>
+          </p:cNvPr>
+          <p:cNvSpPr txBox="1"/>
+          <p:nvPr/>
+        </p:nvSpPr>
+        <p:spPr>
+          <a:xfrm>
+            <a:off x="3893574" y="3608156"/>
+            <a:ext cx="6980902" cy="523220"/>
+          </a:xfrm>
+          <a:prstGeom prst="rect">
+            <a:avLst/>
+          </a:prstGeom>
+          <a:solidFill>
+            <a:srgbClr val="1C5D77"/>
+          </a:solidFill>
+          <a:ln w="28575">
+            <a:solidFill>
+              <a:srgbClr val="1C5D77"/>
+            </a:solidFill>
+          </a:ln>
+        </p:spPr>
+        <p:txBody>
+          <a:bodyPr wrap="square" rtlCol="0">
+            <a:spAutoFit/>
+          </a:bodyPr>
+          <a:lstStyle/>
+          <a:p>
+            <a:pPr algn="ctr"/>
+            <a:r>
+              <a:rPr lang="en-US" sz="2800" b="1" dirty="0">
+                <a:solidFill>
+                  <a:schemeClr val="bg1"/>
+                </a:solidFill>
+                <a:latin typeface="Arial" panose="020B0604020202020204" pitchFamily="34" charset="0"/>
+                <a:cs typeface="Arial" panose="020B0604020202020204" pitchFamily="34" charset="0"/>
+              </a:rPr>
+              <a:t>WEB DASHBOARD </a:t>
+            </a:r>
+            <a:r>
+              <a:rPr lang="en-US" sz="2800" b="1" i="1" dirty="0">
+                <a:solidFill>
+                  <a:schemeClr val="bg1"/>
+                </a:solidFill>
+                <a:latin typeface="Arial" panose="020B0604020202020204" pitchFamily="34" charset="0"/>
+                <a:cs typeface="Arial" panose="020B0604020202020204" pitchFamily="34" charset="0"/>
+              </a:rPr>
+              <a:t>for</a:t>
+            </a:r>
+            <a:r>
+              <a:rPr lang="en-US" sz="2800" b="1" dirty="0">
+                <a:solidFill>
+                  <a:schemeClr val="bg1"/>
+                </a:solidFill>
+                <a:latin typeface="Arial" panose="020B0604020202020204" pitchFamily="34" charset="0"/>
+                <a:cs typeface="Arial" panose="020B0604020202020204" pitchFamily="34" charset="0"/>
+              </a:rPr>
+              <a:t> RESPIMATIC 100 </a:t>
+            </a:r>
+            <a:endParaRPr lang="en-IN" sz="2800" b="1" dirty="0">
+              <a:solidFill>
+                <a:schemeClr val="bg1"/>
+              </a:solidFill>
+              <a:latin typeface="Arial" panose="020B0604020202020204" pitchFamily="34" charset="0"/>
+              <a:cs typeface="Arial" panose="020B0604020202020204" pitchFamily="34" charset="0"/>
+            </a:endParaRPr>
+          </a:p>
+        </p:txBody>
+      </p:sp>
     </p:spTree>
     <p:extLst>
       <p:ext uri="{BB962C8B-B14F-4D97-AF65-F5344CB8AC3E}">

--- a/Logo.pptx
+++ b/Logo.pptx
@@ -6,6 +6,8 @@
   </p:sldMasterIdLst>
   <p:sldIdLst>
     <p:sldId id="256" r:id="rId2"/>
+    <p:sldId id="257" r:id="rId3"/>
+    <p:sldId id="258" r:id="rId4"/>
   </p:sldIdLst>
   <p:sldSz cx="12192000" cy="6858000"/>
   <p:notesSz cx="6858000" cy="9144000"/>
@@ -261,7 +263,7 @@
           <a:p>
             <a:fld id="{4967892D-CE2D-495A-A9CA-7CB88C831AAA}" type="datetimeFigureOut">
               <a:rPr lang="en-IN" smtClean="0"/>
-              <a:t>16-06-2021</a:t>
+              <a:t>17-06-2021</a:t>
             </a:fld>
             <a:endParaRPr lang="en-IN"/>
           </a:p>
@@ -461,7 +463,7 @@
           <a:p>
             <a:fld id="{4967892D-CE2D-495A-A9CA-7CB88C831AAA}" type="datetimeFigureOut">
               <a:rPr lang="en-IN" smtClean="0"/>
-              <a:t>16-06-2021</a:t>
+              <a:t>17-06-2021</a:t>
             </a:fld>
             <a:endParaRPr lang="en-IN"/>
           </a:p>
@@ -671,7 +673,7 @@
           <a:p>
             <a:fld id="{4967892D-CE2D-495A-A9CA-7CB88C831AAA}" type="datetimeFigureOut">
               <a:rPr lang="en-IN" smtClean="0"/>
-              <a:t>16-06-2021</a:t>
+              <a:t>17-06-2021</a:t>
             </a:fld>
             <a:endParaRPr lang="en-IN"/>
           </a:p>
@@ -871,7 +873,7 @@
           <a:p>
             <a:fld id="{4967892D-CE2D-495A-A9CA-7CB88C831AAA}" type="datetimeFigureOut">
               <a:rPr lang="en-IN" smtClean="0"/>
-              <a:t>16-06-2021</a:t>
+              <a:t>17-06-2021</a:t>
             </a:fld>
             <a:endParaRPr lang="en-IN"/>
           </a:p>
@@ -1147,7 +1149,7 @@
           <a:p>
             <a:fld id="{4967892D-CE2D-495A-A9CA-7CB88C831AAA}" type="datetimeFigureOut">
               <a:rPr lang="en-IN" smtClean="0"/>
-              <a:t>16-06-2021</a:t>
+              <a:t>17-06-2021</a:t>
             </a:fld>
             <a:endParaRPr lang="en-IN"/>
           </a:p>
@@ -1415,7 +1417,7 @@
           <a:p>
             <a:fld id="{4967892D-CE2D-495A-A9CA-7CB88C831AAA}" type="datetimeFigureOut">
               <a:rPr lang="en-IN" smtClean="0"/>
-              <a:t>16-06-2021</a:t>
+              <a:t>17-06-2021</a:t>
             </a:fld>
             <a:endParaRPr lang="en-IN"/>
           </a:p>
@@ -1830,7 +1832,7 @@
           <a:p>
             <a:fld id="{4967892D-CE2D-495A-A9CA-7CB88C831AAA}" type="datetimeFigureOut">
               <a:rPr lang="en-IN" smtClean="0"/>
-              <a:t>16-06-2021</a:t>
+              <a:t>17-06-2021</a:t>
             </a:fld>
             <a:endParaRPr lang="en-IN"/>
           </a:p>
@@ -1972,7 +1974,7 @@
           <a:p>
             <a:fld id="{4967892D-CE2D-495A-A9CA-7CB88C831AAA}" type="datetimeFigureOut">
               <a:rPr lang="en-IN" smtClean="0"/>
-              <a:t>16-06-2021</a:t>
+              <a:t>17-06-2021</a:t>
             </a:fld>
             <a:endParaRPr lang="en-IN"/>
           </a:p>
@@ -2085,7 +2087,7 @@
           <a:p>
             <a:fld id="{4967892D-CE2D-495A-A9CA-7CB88C831AAA}" type="datetimeFigureOut">
               <a:rPr lang="en-IN" smtClean="0"/>
-              <a:t>16-06-2021</a:t>
+              <a:t>17-06-2021</a:t>
             </a:fld>
             <a:endParaRPr lang="en-IN"/>
           </a:p>
@@ -2398,7 +2400,7 @@
           <a:p>
             <a:fld id="{4967892D-CE2D-495A-A9CA-7CB88C831AAA}" type="datetimeFigureOut">
               <a:rPr lang="en-IN" smtClean="0"/>
-              <a:t>16-06-2021</a:t>
+              <a:t>17-06-2021</a:t>
             </a:fld>
             <a:endParaRPr lang="en-IN"/>
           </a:p>
@@ -2687,7 +2689,7 @@
           <a:p>
             <a:fld id="{4967892D-CE2D-495A-A9CA-7CB88C831AAA}" type="datetimeFigureOut">
               <a:rPr lang="en-IN" smtClean="0"/>
-              <a:t>16-06-2021</a:t>
+              <a:t>17-06-2021</a:t>
             </a:fld>
             <a:endParaRPr lang="en-IN"/>
           </a:p>
@@ -2930,7 +2932,7 @@
           <a:p>
             <a:fld id="{4967892D-CE2D-495A-A9CA-7CB88C831AAA}" type="datetimeFigureOut">
               <a:rPr lang="en-IN" smtClean="0"/>
-              <a:t>16-06-2021</a:t>
+              <a:t>17-06-2021</a:t>
             </a:fld>
             <a:endParaRPr lang="en-IN"/>
           </a:p>
@@ -3536,7 +3538,7 @@
           <p:spPr>
             <a:xfrm>
               <a:off x="2143432" y="1620665"/>
-              <a:ext cx="8731045" cy="523220"/>
+              <a:ext cx="8731045" cy="584775"/>
             </a:xfrm>
             <a:prstGeom prst="rect">
               <a:avLst/>
@@ -3558,7 +3560,7 @@
             <a:p>
               <a:pPr algn="ctr"/>
               <a:r>
-                <a:rPr lang="en-US" sz="2800" dirty="0">
+                <a:rPr lang="en-US" sz="3200" b="1" dirty="0">
                   <a:solidFill>
                     <a:schemeClr val="bg1"/>
                   </a:solidFill>
@@ -3566,7 +3568,7 @@
                 </a:rPr>
                 <a:t>RESPIMATIC 100 WEB DASHBOARD</a:t>
               </a:r>
-              <a:endParaRPr lang="en-IN" sz="2800" dirty="0">
+              <a:endParaRPr lang="en-IN" sz="3200" b="1" dirty="0">
                 <a:solidFill>
                   <a:schemeClr val="bg1"/>
                 </a:solidFill>
@@ -3765,8 +3767,8 @@
         </p:nvSpPr>
         <p:spPr>
           <a:xfrm>
-            <a:off x="3893574" y="3608156"/>
-            <a:ext cx="6980902" cy="523220"/>
+            <a:off x="6558116" y="3608156"/>
+            <a:ext cx="4316360" cy="954107"/>
           </a:xfrm>
           <a:prstGeom prst="rect">
             <a:avLst/>
@@ -3797,16 +3799,16 @@
               </a:rPr>
               <a:t>WEB DASHBOARD </a:t>
             </a:r>
-            <a:r>
-              <a:rPr lang="en-US" sz="2800" b="1" i="1" dirty="0">
-                <a:solidFill>
-                  <a:schemeClr val="bg1"/>
-                </a:solidFill>
-                <a:latin typeface="Arial" panose="020B0604020202020204" pitchFamily="34" charset="0"/>
-                <a:cs typeface="Arial" panose="020B0604020202020204" pitchFamily="34" charset="0"/>
-              </a:rPr>
-              <a:t>for</a:t>
-            </a:r>
+            <a:endParaRPr lang="en-US" sz="2800" b="1" i="1" dirty="0">
+              <a:solidFill>
+                <a:schemeClr val="bg1"/>
+              </a:solidFill>
+              <a:latin typeface="Arial" panose="020B0604020202020204" pitchFamily="34" charset="0"/>
+              <a:cs typeface="Arial" panose="020B0604020202020204" pitchFamily="34" charset="0"/>
+            </a:endParaRPr>
+          </a:p>
+          <a:p>
+            <a:pPr algn="ctr"/>
             <a:r>
               <a:rPr lang="en-US" sz="2800" b="1" dirty="0">
                 <a:solidFill>
@@ -3815,7 +3817,7 @@
                 <a:latin typeface="Arial" panose="020B0604020202020204" pitchFamily="34" charset="0"/>
                 <a:cs typeface="Arial" panose="020B0604020202020204" pitchFamily="34" charset="0"/>
               </a:rPr>
-              <a:t> RESPIMATIC 100 </a:t>
+              <a:t>RESPIMATIC 100 </a:t>
             </a:r>
             <a:endParaRPr lang="en-IN" sz="2800" b="1" dirty="0">
               <a:solidFill>
@@ -3831,6 +3833,124 @@
     <p:extLst>
       <p:ext uri="{BB962C8B-B14F-4D97-AF65-F5344CB8AC3E}">
         <p14:creationId xmlns:p14="http://schemas.microsoft.com/office/powerpoint/2010/main" val="1890481987"/>
+      </p:ext>
+    </p:extLst>
+  </p:cSld>
+  <p:clrMapOvr>
+    <a:masterClrMapping/>
+  </p:clrMapOvr>
+</p:sld>
+</file>
+
+<file path=ppt/slides/slide2.xml><?xml version="1.0" encoding="utf-8"?>
+<p:sld xmlns:a="http://schemas.openxmlformats.org/drawingml/2006/main" xmlns:r="http://schemas.openxmlformats.org/officeDocument/2006/relationships" xmlns:p="http://schemas.openxmlformats.org/presentationml/2006/main">
+  <p:cSld>
+    <p:spTree>
+      <p:nvGrpSpPr>
+        <p:cNvPr id="1" name=""/>
+        <p:cNvGrpSpPr/>
+        <p:nvPr/>
+      </p:nvGrpSpPr>
+      <p:grpSpPr>
+        <a:xfrm>
+          <a:off x="0" y="0"/>
+          <a:ext cx="0" cy="0"/>
+          <a:chOff x="0" y="0"/>
+          <a:chExt cx="0" cy="0"/>
+        </a:xfrm>
+      </p:grpSpPr>
+      <p:pic>
+        <p:nvPicPr>
+          <p:cNvPr id="23" name="Picture 22">
+            <a:extLst>
+              <a:ext uri="{FF2B5EF4-FFF2-40B4-BE49-F238E27FC236}">
+                <a16:creationId xmlns:a16="http://schemas.microsoft.com/office/drawing/2014/main" id="{05E11863-888C-4408-8812-1A08BBCD8437}"/>
+              </a:ext>
+            </a:extLst>
+          </p:cNvPr>
+          <p:cNvPicPr>
+            <a:picLocks noChangeAspect="1"/>
+          </p:cNvPicPr>
+          <p:nvPr/>
+        </p:nvPicPr>
+        <p:blipFill rotWithShape="1">
+          <a:blip r:embed="rId2"/>
+          <a:srcRect l="1822" r="3894" b="4211"/>
+          <a:stretch/>
+        </p:blipFill>
+        <p:spPr>
+          <a:xfrm>
+            <a:off x="1528010" y="0"/>
+            <a:ext cx="8939463" cy="6569242"/>
+          </a:xfrm>
+          <a:prstGeom prst="rect">
+            <a:avLst/>
+          </a:prstGeom>
+        </p:spPr>
+      </p:pic>
+    </p:spTree>
+    <p:extLst>
+      <p:ext uri="{BB962C8B-B14F-4D97-AF65-F5344CB8AC3E}">
+        <p14:creationId xmlns:p14="http://schemas.microsoft.com/office/powerpoint/2010/main" val="1563633369"/>
+      </p:ext>
+    </p:extLst>
+  </p:cSld>
+  <p:clrMapOvr>
+    <a:masterClrMapping/>
+  </p:clrMapOvr>
+</p:sld>
+</file>
+
+<file path=ppt/slides/slide3.xml><?xml version="1.0" encoding="utf-8"?>
+<p:sld xmlns:a="http://schemas.openxmlformats.org/drawingml/2006/main" xmlns:r="http://schemas.openxmlformats.org/officeDocument/2006/relationships" xmlns:p="http://schemas.openxmlformats.org/presentationml/2006/main">
+  <p:cSld>
+    <p:spTree>
+      <p:nvGrpSpPr>
+        <p:cNvPr id="1" name=""/>
+        <p:cNvGrpSpPr/>
+        <p:nvPr/>
+      </p:nvGrpSpPr>
+      <p:grpSpPr>
+        <a:xfrm>
+          <a:off x="0" y="0"/>
+          <a:ext cx="0" cy="0"/>
+          <a:chOff x="0" y="0"/>
+          <a:chExt cx="0" cy="0"/>
+        </a:xfrm>
+      </p:grpSpPr>
+      <p:pic>
+        <p:nvPicPr>
+          <p:cNvPr id="3" name="Picture 2">
+            <a:extLst>
+              <a:ext uri="{FF2B5EF4-FFF2-40B4-BE49-F238E27FC236}">
+                <a16:creationId xmlns:a16="http://schemas.microsoft.com/office/drawing/2014/main" id="{A17C0C1F-D169-4BAC-8BEC-1DD4C54E8FA2}"/>
+              </a:ext>
+            </a:extLst>
+          </p:cNvPr>
+          <p:cNvPicPr>
+            <a:picLocks noChangeAspect="1"/>
+          </p:cNvPicPr>
+          <p:nvPr/>
+        </p:nvPicPr>
+        <p:blipFill rotWithShape="1">
+          <a:blip r:embed="rId2"/>
+          <a:srcRect l="6190" t="7756" r="10844" b="1433"/>
+          <a:stretch/>
+        </p:blipFill>
+        <p:spPr>
+          <a:xfrm>
+            <a:off x="4522838" y="1622324"/>
+            <a:ext cx="2979175" cy="3883742"/>
+          </a:xfrm>
+          <a:prstGeom prst="rect">
+            <a:avLst/>
+          </a:prstGeom>
+        </p:spPr>
+      </p:pic>
+    </p:spTree>
+    <p:extLst>
+      <p:ext uri="{BB962C8B-B14F-4D97-AF65-F5344CB8AC3E}">
+        <p14:creationId xmlns:p14="http://schemas.microsoft.com/office/powerpoint/2010/main" val="3742178380"/>
       </p:ext>
     </p:extLst>
   </p:cSld>

--- a/Logo.pptx
+++ b/Logo.pptx
@@ -263,7 +263,7 @@
           <a:p>
             <a:fld id="{4967892D-CE2D-495A-A9CA-7CB88C831AAA}" type="datetimeFigureOut">
               <a:rPr lang="en-IN" smtClean="0"/>
-              <a:t>17-06-2021</a:t>
+              <a:t>27-06-2021</a:t>
             </a:fld>
             <a:endParaRPr lang="en-IN"/>
           </a:p>
@@ -463,7 +463,7 @@
           <a:p>
             <a:fld id="{4967892D-CE2D-495A-A9CA-7CB88C831AAA}" type="datetimeFigureOut">
               <a:rPr lang="en-IN" smtClean="0"/>
-              <a:t>17-06-2021</a:t>
+              <a:t>27-06-2021</a:t>
             </a:fld>
             <a:endParaRPr lang="en-IN"/>
           </a:p>
@@ -673,7 +673,7 @@
           <a:p>
             <a:fld id="{4967892D-CE2D-495A-A9CA-7CB88C831AAA}" type="datetimeFigureOut">
               <a:rPr lang="en-IN" smtClean="0"/>
-              <a:t>17-06-2021</a:t>
+              <a:t>27-06-2021</a:t>
             </a:fld>
             <a:endParaRPr lang="en-IN"/>
           </a:p>
@@ -873,7 +873,7 @@
           <a:p>
             <a:fld id="{4967892D-CE2D-495A-A9CA-7CB88C831AAA}" type="datetimeFigureOut">
               <a:rPr lang="en-IN" smtClean="0"/>
-              <a:t>17-06-2021</a:t>
+              <a:t>27-06-2021</a:t>
             </a:fld>
             <a:endParaRPr lang="en-IN"/>
           </a:p>
@@ -1149,7 +1149,7 @@
           <a:p>
             <a:fld id="{4967892D-CE2D-495A-A9CA-7CB88C831AAA}" type="datetimeFigureOut">
               <a:rPr lang="en-IN" smtClean="0"/>
-              <a:t>17-06-2021</a:t>
+              <a:t>27-06-2021</a:t>
             </a:fld>
             <a:endParaRPr lang="en-IN"/>
           </a:p>
@@ -1417,7 +1417,7 @@
           <a:p>
             <a:fld id="{4967892D-CE2D-495A-A9CA-7CB88C831AAA}" type="datetimeFigureOut">
               <a:rPr lang="en-IN" smtClean="0"/>
-              <a:t>17-06-2021</a:t>
+              <a:t>27-06-2021</a:t>
             </a:fld>
             <a:endParaRPr lang="en-IN"/>
           </a:p>
@@ -1832,7 +1832,7 @@
           <a:p>
             <a:fld id="{4967892D-CE2D-495A-A9CA-7CB88C831AAA}" type="datetimeFigureOut">
               <a:rPr lang="en-IN" smtClean="0"/>
-              <a:t>17-06-2021</a:t>
+              <a:t>27-06-2021</a:t>
             </a:fld>
             <a:endParaRPr lang="en-IN"/>
           </a:p>
@@ -1974,7 +1974,7 @@
           <a:p>
             <a:fld id="{4967892D-CE2D-495A-A9CA-7CB88C831AAA}" type="datetimeFigureOut">
               <a:rPr lang="en-IN" smtClean="0"/>
-              <a:t>17-06-2021</a:t>
+              <a:t>27-06-2021</a:t>
             </a:fld>
             <a:endParaRPr lang="en-IN"/>
           </a:p>
@@ -2087,7 +2087,7 @@
           <a:p>
             <a:fld id="{4967892D-CE2D-495A-A9CA-7CB88C831AAA}" type="datetimeFigureOut">
               <a:rPr lang="en-IN" smtClean="0"/>
-              <a:t>17-06-2021</a:t>
+              <a:t>27-06-2021</a:t>
             </a:fld>
             <a:endParaRPr lang="en-IN"/>
           </a:p>
@@ -2400,7 +2400,7 @@
           <a:p>
             <a:fld id="{4967892D-CE2D-495A-A9CA-7CB88C831AAA}" type="datetimeFigureOut">
               <a:rPr lang="en-IN" smtClean="0"/>
-              <a:t>17-06-2021</a:t>
+              <a:t>27-06-2021</a:t>
             </a:fld>
             <a:endParaRPr lang="en-IN"/>
           </a:p>
@@ -2689,7 +2689,7 @@
           <a:p>
             <a:fld id="{4967892D-CE2D-495A-A9CA-7CB88C831AAA}" type="datetimeFigureOut">
               <a:rPr lang="en-IN" smtClean="0"/>
-              <a:t>17-06-2021</a:t>
+              <a:t>27-06-2021</a:t>
             </a:fld>
             <a:endParaRPr lang="en-IN"/>
           </a:p>
@@ -2932,7 +2932,7 @@
           <a:p>
             <a:fld id="{4967892D-CE2D-495A-A9CA-7CB88C831AAA}" type="datetimeFigureOut">
               <a:rPr lang="en-IN" smtClean="0"/>
-              <a:t>17-06-2021</a:t>
+              <a:t>27-06-2021</a:t>
             </a:fld>
             <a:endParaRPr lang="en-IN"/>
           </a:p>
@@ -3351,10 +3351,10 @@
       </p:grpSpPr>
       <p:grpSp>
         <p:nvGrpSpPr>
-          <p:cNvPr id="8" name="Group 7">
-            <a:extLst>
-              <a:ext uri="{FF2B5EF4-FFF2-40B4-BE49-F238E27FC236}">
-                <a16:creationId xmlns:a16="http://schemas.microsoft.com/office/drawing/2014/main" id="{B824FD96-CC0F-4267-951B-C617773C46D9}"/>
+          <p:cNvPr id="16" name="Group 15">
+            <a:extLst>
+              <a:ext uri="{FF2B5EF4-FFF2-40B4-BE49-F238E27FC236}">
+                <a16:creationId xmlns:a16="http://schemas.microsoft.com/office/drawing/2014/main" id="{99E2FC5C-1827-4AEB-899F-F23719EF483D}"/>
               </a:ext>
             </a:extLst>
           </p:cNvPr>
@@ -3390,7 +3390,7 @@
               <a:avLst/>
             </a:prstGeom>
             <a:solidFill>
-              <a:srgbClr val="1C5D77"/>
+              <a:srgbClr val="1D85AD"/>
             </a:solidFill>
             <a:ln w="28575">
               <a:solidFill>
@@ -3544,7 +3544,7 @@
               <a:avLst/>
             </a:prstGeom>
             <a:solidFill>
-              <a:srgbClr val="1C5D77"/>
+              <a:srgbClr val="1D85AD"/>
             </a:solidFill>
             <a:ln w="28575">
               <a:solidFill>
@@ -3580,10 +3580,10 @@
       </p:grpSp>
       <p:grpSp>
         <p:nvGrpSpPr>
-          <p:cNvPr id="2" name="Group 1">
-            <a:extLst>
-              <a:ext uri="{FF2B5EF4-FFF2-40B4-BE49-F238E27FC236}">
-                <a16:creationId xmlns:a16="http://schemas.microsoft.com/office/drawing/2014/main" id="{15D37FE1-D005-4A02-8012-E75BF61F9657}"/>
+          <p:cNvPr id="17" name="Group 16">
+            <a:extLst>
+              <a:ext uri="{FF2B5EF4-FFF2-40B4-BE49-F238E27FC236}">
+                <a16:creationId xmlns:a16="http://schemas.microsoft.com/office/drawing/2014/main" id="{4A47D272-DCE4-43B9-9808-C5B9B9DEED60}"/>
               </a:ext>
             </a:extLst>
           </p:cNvPr>
@@ -3619,7 +3619,7 @@
               <a:avLst/>
             </a:prstGeom>
             <a:solidFill>
-              <a:srgbClr val="1C5D77"/>
+              <a:srgbClr val="1D85AD"/>
             </a:solidFill>
             <a:ln w="28575">
               <a:solidFill>
@@ -3774,7 +3774,7 @@
             <a:avLst/>
           </a:prstGeom>
           <a:solidFill>
-            <a:srgbClr val="1C5D77"/>
+            <a:srgbClr val="1D85AD"/>
           </a:solidFill>
           <a:ln w="28575">
             <a:solidFill>
@@ -3829,6 +3829,36 @@
           </a:p>
         </p:txBody>
       </p:sp>
+      <p:pic>
+        <p:nvPicPr>
+          <p:cNvPr id="10" name="Picture 9">
+            <a:extLst>
+              <a:ext uri="{FF2B5EF4-FFF2-40B4-BE49-F238E27FC236}">
+                <a16:creationId xmlns:a16="http://schemas.microsoft.com/office/drawing/2014/main" id="{5D9D0149-C966-42E3-9ECE-005AB8E6BC1A}"/>
+              </a:ext>
+            </a:extLst>
+          </p:cNvPr>
+          <p:cNvPicPr>
+            <a:picLocks noChangeAspect="1"/>
+          </p:cNvPicPr>
+          <p:nvPr/>
+        </p:nvPicPr>
+        <p:blipFill>
+          <a:blip r:embed="rId5"/>
+          <a:stretch>
+            <a:fillRect/>
+          </a:stretch>
+        </p:blipFill>
+        <p:spPr>
+          <a:xfrm>
+            <a:off x="1317524" y="3571966"/>
+            <a:ext cx="2305050" cy="952500"/>
+          </a:xfrm>
+          <a:prstGeom prst="rect">
+            <a:avLst/>
+          </a:prstGeom>
+        </p:spPr>
+      </p:pic>
     </p:spTree>
     <p:extLst>
       <p:ext uri="{BB962C8B-B14F-4D97-AF65-F5344CB8AC3E}">

--- a/Logo.pptx
+++ b/Logo.pptx
@@ -263,7 +263,7 @@
           <a:p>
             <a:fld id="{4967892D-CE2D-495A-A9CA-7CB88C831AAA}" type="datetimeFigureOut">
               <a:rPr lang="en-IN" smtClean="0"/>
-              <a:t>27-06-2021</a:t>
+              <a:t>20-07-2021</a:t>
             </a:fld>
             <a:endParaRPr lang="en-IN"/>
           </a:p>
@@ -463,7 +463,7 @@
           <a:p>
             <a:fld id="{4967892D-CE2D-495A-A9CA-7CB88C831AAA}" type="datetimeFigureOut">
               <a:rPr lang="en-IN" smtClean="0"/>
-              <a:t>27-06-2021</a:t>
+              <a:t>20-07-2021</a:t>
             </a:fld>
             <a:endParaRPr lang="en-IN"/>
           </a:p>
@@ -673,7 +673,7 @@
           <a:p>
             <a:fld id="{4967892D-CE2D-495A-A9CA-7CB88C831AAA}" type="datetimeFigureOut">
               <a:rPr lang="en-IN" smtClean="0"/>
-              <a:t>27-06-2021</a:t>
+              <a:t>20-07-2021</a:t>
             </a:fld>
             <a:endParaRPr lang="en-IN"/>
           </a:p>
@@ -873,7 +873,7 @@
           <a:p>
             <a:fld id="{4967892D-CE2D-495A-A9CA-7CB88C831AAA}" type="datetimeFigureOut">
               <a:rPr lang="en-IN" smtClean="0"/>
-              <a:t>27-06-2021</a:t>
+              <a:t>20-07-2021</a:t>
             </a:fld>
             <a:endParaRPr lang="en-IN"/>
           </a:p>
@@ -1149,7 +1149,7 @@
           <a:p>
             <a:fld id="{4967892D-CE2D-495A-A9CA-7CB88C831AAA}" type="datetimeFigureOut">
               <a:rPr lang="en-IN" smtClean="0"/>
-              <a:t>27-06-2021</a:t>
+              <a:t>20-07-2021</a:t>
             </a:fld>
             <a:endParaRPr lang="en-IN"/>
           </a:p>
@@ -1417,7 +1417,7 @@
           <a:p>
             <a:fld id="{4967892D-CE2D-495A-A9CA-7CB88C831AAA}" type="datetimeFigureOut">
               <a:rPr lang="en-IN" smtClean="0"/>
-              <a:t>27-06-2021</a:t>
+              <a:t>20-07-2021</a:t>
             </a:fld>
             <a:endParaRPr lang="en-IN"/>
           </a:p>
@@ -1832,7 +1832,7 @@
           <a:p>
             <a:fld id="{4967892D-CE2D-495A-A9CA-7CB88C831AAA}" type="datetimeFigureOut">
               <a:rPr lang="en-IN" smtClean="0"/>
-              <a:t>27-06-2021</a:t>
+              <a:t>20-07-2021</a:t>
             </a:fld>
             <a:endParaRPr lang="en-IN"/>
           </a:p>
@@ -1974,7 +1974,7 @@
           <a:p>
             <a:fld id="{4967892D-CE2D-495A-A9CA-7CB88C831AAA}" type="datetimeFigureOut">
               <a:rPr lang="en-IN" smtClean="0"/>
-              <a:t>27-06-2021</a:t>
+              <a:t>20-07-2021</a:t>
             </a:fld>
             <a:endParaRPr lang="en-IN"/>
           </a:p>
@@ -2087,7 +2087,7 @@
           <a:p>
             <a:fld id="{4967892D-CE2D-495A-A9CA-7CB88C831AAA}" type="datetimeFigureOut">
               <a:rPr lang="en-IN" smtClean="0"/>
-              <a:t>27-06-2021</a:t>
+              <a:t>20-07-2021</a:t>
             </a:fld>
             <a:endParaRPr lang="en-IN"/>
           </a:p>
@@ -2400,7 +2400,7 @@
           <a:p>
             <a:fld id="{4967892D-CE2D-495A-A9CA-7CB88C831AAA}" type="datetimeFigureOut">
               <a:rPr lang="en-IN" smtClean="0"/>
-              <a:t>27-06-2021</a:t>
+              <a:t>20-07-2021</a:t>
             </a:fld>
             <a:endParaRPr lang="en-IN"/>
           </a:p>
@@ -2689,7 +2689,7 @@
           <a:p>
             <a:fld id="{4967892D-CE2D-495A-A9CA-7CB88C831AAA}" type="datetimeFigureOut">
               <a:rPr lang="en-IN" smtClean="0"/>
-              <a:t>27-06-2021</a:t>
+              <a:t>20-07-2021</a:t>
             </a:fld>
             <a:endParaRPr lang="en-IN"/>
           </a:p>
@@ -2932,7 +2932,7 @@
           <a:p>
             <a:fld id="{4967892D-CE2D-495A-A9CA-7CB88C831AAA}" type="datetimeFigureOut">
               <a:rPr lang="en-IN" smtClean="0"/>
-              <a:t>27-06-2021</a:t>
+              <a:t>20-07-2021</a:t>
             </a:fld>
             <a:endParaRPr lang="en-IN"/>
           </a:p>
@@ -3351,10 +3351,10 @@
       </p:grpSpPr>
       <p:grpSp>
         <p:nvGrpSpPr>
-          <p:cNvPr id="16" name="Group 15">
-            <a:extLst>
-              <a:ext uri="{FF2B5EF4-FFF2-40B4-BE49-F238E27FC236}">
-                <a16:creationId xmlns:a16="http://schemas.microsoft.com/office/drawing/2014/main" id="{99E2FC5C-1827-4AEB-899F-F23719EF483D}"/>
+          <p:cNvPr id="2" name="Group 1">
+            <a:extLst>
+              <a:ext uri="{FF2B5EF4-FFF2-40B4-BE49-F238E27FC236}">
+                <a16:creationId xmlns:a16="http://schemas.microsoft.com/office/drawing/2014/main" id="{48AF2CE6-99F2-434F-86DC-78647848A4B7}"/>
               </a:ext>
             </a:extLst>
           </p:cNvPr>
@@ -3390,12 +3390,10 @@
               <a:avLst/>
             </a:prstGeom>
             <a:solidFill>
-              <a:srgbClr val="1D85AD"/>
+              <a:srgbClr val="0D3E51"/>
             </a:solidFill>
             <a:ln w="28575">
-              <a:solidFill>
-                <a:srgbClr val="1C5D77"/>
-              </a:solidFill>
+              <a:noFill/>
             </a:ln>
           </p:spPr>
           <p:style>
@@ -3455,6 +3453,11 @@
             <a:prstGeom prst="rect">
               <a:avLst/>
             </a:prstGeom>
+            <a:ln>
+              <a:solidFill>
+                <a:schemeClr val="bg1"/>
+              </a:solidFill>
+            </a:ln>
           </p:spPr>
         </p:pic>
         <p:pic>
@@ -3521,6 +3524,11 @@
             <a:prstGeom prst="rect">
               <a:avLst/>
             </a:prstGeom>
+            <a:ln>
+              <a:solidFill>
+                <a:schemeClr val="bg1"/>
+              </a:solidFill>
+            </a:ln>
           </p:spPr>
         </p:pic>
         <p:sp>
@@ -3547,9 +3555,7 @@
               <a:srgbClr val="1D85AD"/>
             </a:solidFill>
             <a:ln w="28575">
-              <a:solidFill>
-                <a:srgbClr val="1C5D77"/>
-              </a:solidFill>
+              <a:noFill/>
             </a:ln>
           </p:spPr>
           <p:txBody>
@@ -3623,7 +3629,7 @@
             </a:solidFill>
             <a:ln w="28575">
               <a:solidFill>
-                <a:srgbClr val="1C5D77"/>
+                <a:schemeClr val="bg1"/>
               </a:solidFill>
             </a:ln>
           </p:spPr>
@@ -3684,6 +3690,11 @@
             <a:prstGeom prst="rect">
               <a:avLst/>
             </a:prstGeom>
+            <a:ln>
+              <a:solidFill>
+                <a:schemeClr val="bg1"/>
+              </a:solidFill>
+            </a:ln>
           </p:spPr>
         </p:pic>
         <p:pic>
@@ -3716,6 +3727,11 @@
             <a:prstGeom prst="rect">
               <a:avLst/>
             </a:prstGeom>
+            <a:ln>
+              <a:solidFill>
+                <a:schemeClr val="bg1"/>
+              </a:solidFill>
+            </a:ln>
           </p:spPr>
         </p:pic>
         <p:pic>
@@ -3750,6 +3766,11 @@
             <a:prstGeom prst="rect">
               <a:avLst/>
             </a:prstGeom>
+            <a:ln>
+              <a:solidFill>
+                <a:schemeClr val="bg1"/>
+              </a:solidFill>
+            </a:ln>
           </p:spPr>
         </p:pic>
       </p:grpSp>
@@ -3776,9 +3797,9 @@
           <a:solidFill>
             <a:srgbClr val="1D85AD"/>
           </a:solidFill>
-          <a:ln w="28575">
+          <a:ln w="12700">
             <a:solidFill>
-              <a:srgbClr val="1C5D77"/>
+              <a:schemeClr val="bg1"/>
             </a:solidFill>
           </a:ln>
         </p:spPr>
@@ -3853,6 +3874,35 @@
           <a:xfrm>
             <a:off x="1317524" y="3571966"/>
             <a:ext cx="2305050" cy="952500"/>
+          </a:xfrm>
+          <a:prstGeom prst="rect">
+            <a:avLst/>
+          </a:prstGeom>
+        </p:spPr>
+      </p:pic>
+      <p:pic>
+        <p:nvPicPr>
+          <p:cNvPr id="8" name="Picture 7">
+            <a:extLst>
+              <a:ext uri="{FF2B5EF4-FFF2-40B4-BE49-F238E27FC236}">
+                <a16:creationId xmlns:a16="http://schemas.microsoft.com/office/drawing/2014/main" id="{42039617-ABF1-4ACE-B835-3ACE3B7F8216}"/>
+              </a:ext>
+            </a:extLst>
+          </p:cNvPr>
+          <p:cNvPicPr>
+            <a:picLocks noChangeAspect="1"/>
+          </p:cNvPicPr>
+          <p:nvPr/>
+        </p:nvPicPr>
+        <p:blipFill rotWithShape="1">
+          <a:blip r:embed="rId6"/>
+          <a:srcRect t="15238" r="14265"/>
+          <a:stretch/>
+        </p:blipFill>
+        <p:spPr>
+          <a:xfrm>
+            <a:off x="161931" y="217118"/>
+            <a:ext cx="1981500" cy="1403547"/>
           </a:xfrm>
           <a:prstGeom prst="rect">
             <a:avLst/>

--- a/Logo.pptx
+++ b/Logo.pptx
@@ -263,7 +263,7 @@
           <a:p>
             <a:fld id="{4967892D-CE2D-495A-A9CA-7CB88C831AAA}" type="datetimeFigureOut">
               <a:rPr lang="en-IN" smtClean="0"/>
-              <a:t>20-07-2021</a:t>
+              <a:t>26-07-2021</a:t>
             </a:fld>
             <a:endParaRPr lang="en-IN"/>
           </a:p>
@@ -463,7 +463,7 @@
           <a:p>
             <a:fld id="{4967892D-CE2D-495A-A9CA-7CB88C831AAA}" type="datetimeFigureOut">
               <a:rPr lang="en-IN" smtClean="0"/>
-              <a:t>20-07-2021</a:t>
+              <a:t>26-07-2021</a:t>
             </a:fld>
             <a:endParaRPr lang="en-IN"/>
           </a:p>
@@ -673,7 +673,7 @@
           <a:p>
             <a:fld id="{4967892D-CE2D-495A-A9CA-7CB88C831AAA}" type="datetimeFigureOut">
               <a:rPr lang="en-IN" smtClean="0"/>
-              <a:t>20-07-2021</a:t>
+              <a:t>26-07-2021</a:t>
             </a:fld>
             <a:endParaRPr lang="en-IN"/>
           </a:p>
@@ -873,7 +873,7 @@
           <a:p>
             <a:fld id="{4967892D-CE2D-495A-A9CA-7CB88C831AAA}" type="datetimeFigureOut">
               <a:rPr lang="en-IN" smtClean="0"/>
-              <a:t>20-07-2021</a:t>
+              <a:t>26-07-2021</a:t>
             </a:fld>
             <a:endParaRPr lang="en-IN"/>
           </a:p>
@@ -1149,7 +1149,7 @@
           <a:p>
             <a:fld id="{4967892D-CE2D-495A-A9CA-7CB88C831AAA}" type="datetimeFigureOut">
               <a:rPr lang="en-IN" smtClean="0"/>
-              <a:t>20-07-2021</a:t>
+              <a:t>26-07-2021</a:t>
             </a:fld>
             <a:endParaRPr lang="en-IN"/>
           </a:p>
@@ -1417,7 +1417,7 @@
           <a:p>
             <a:fld id="{4967892D-CE2D-495A-A9CA-7CB88C831AAA}" type="datetimeFigureOut">
               <a:rPr lang="en-IN" smtClean="0"/>
-              <a:t>20-07-2021</a:t>
+              <a:t>26-07-2021</a:t>
             </a:fld>
             <a:endParaRPr lang="en-IN"/>
           </a:p>
@@ -1832,7 +1832,7 @@
           <a:p>
             <a:fld id="{4967892D-CE2D-495A-A9CA-7CB88C831AAA}" type="datetimeFigureOut">
               <a:rPr lang="en-IN" smtClean="0"/>
-              <a:t>20-07-2021</a:t>
+              <a:t>26-07-2021</a:t>
             </a:fld>
             <a:endParaRPr lang="en-IN"/>
           </a:p>
@@ -1974,7 +1974,7 @@
           <a:p>
             <a:fld id="{4967892D-CE2D-495A-A9CA-7CB88C831AAA}" type="datetimeFigureOut">
               <a:rPr lang="en-IN" smtClean="0"/>
-              <a:t>20-07-2021</a:t>
+              <a:t>26-07-2021</a:t>
             </a:fld>
             <a:endParaRPr lang="en-IN"/>
           </a:p>
@@ -2087,7 +2087,7 @@
           <a:p>
             <a:fld id="{4967892D-CE2D-495A-A9CA-7CB88C831AAA}" type="datetimeFigureOut">
               <a:rPr lang="en-IN" smtClean="0"/>
-              <a:t>20-07-2021</a:t>
+              <a:t>26-07-2021</a:t>
             </a:fld>
             <a:endParaRPr lang="en-IN"/>
           </a:p>
@@ -2400,7 +2400,7 @@
           <a:p>
             <a:fld id="{4967892D-CE2D-495A-A9CA-7CB88C831AAA}" type="datetimeFigureOut">
               <a:rPr lang="en-IN" smtClean="0"/>
-              <a:t>20-07-2021</a:t>
+              <a:t>26-07-2021</a:t>
             </a:fld>
             <a:endParaRPr lang="en-IN"/>
           </a:p>
@@ -2689,7 +2689,7 @@
           <a:p>
             <a:fld id="{4967892D-CE2D-495A-A9CA-7CB88C831AAA}" type="datetimeFigureOut">
               <a:rPr lang="en-IN" smtClean="0"/>
-              <a:t>20-07-2021</a:t>
+              <a:t>26-07-2021</a:t>
             </a:fld>
             <a:endParaRPr lang="en-IN"/>
           </a:p>
@@ -2932,7 +2932,7 @@
           <a:p>
             <a:fld id="{4967892D-CE2D-495A-A9CA-7CB88C831AAA}" type="datetimeFigureOut">
               <a:rPr lang="en-IN" smtClean="0"/>
-              <a:t>20-07-2021</a:t>
+              <a:t>26-07-2021</a:t>
             </a:fld>
             <a:endParaRPr lang="en-IN"/>
           </a:p>
@@ -3363,7 +3363,7 @@
         </p:nvGrpSpPr>
         <p:grpSpPr>
           <a:xfrm>
-            <a:off x="2143432" y="1620665"/>
+            <a:off x="2507221" y="734511"/>
             <a:ext cx="8731046" cy="1615731"/>
             <a:chOff x="2143432" y="1620665"/>
             <a:chExt cx="8731046" cy="1615731"/>
@@ -3572,7 +3572,7 @@
                   </a:solidFill>
                   <a:latin typeface="Cera Pro Medium" panose="00000600000000000000" pitchFamily="50" charset="0"/>
                 </a:rPr>
-                <a:t>RESPIMATIC 100 WEB DASHBOARD</a:t>
+                <a:t>RESPIMATIC 100 WEB LOGGER</a:t>
               </a:r>
               <a:endParaRPr lang="en-IN" sz="3200" b="1" dirty="0">
                 <a:solidFill>
@@ -3598,7 +3598,7 @@
         </p:nvGrpSpPr>
         <p:grpSpPr>
           <a:xfrm>
-            <a:off x="2143431" y="4830314"/>
+            <a:off x="2556385" y="5471925"/>
             <a:ext cx="8731045" cy="1013005"/>
             <a:chOff x="2143431" y="4830314"/>
             <a:chExt cx="8731045" cy="1013005"/>
@@ -3788,7 +3788,7 @@
         </p:nvSpPr>
         <p:spPr>
           <a:xfrm>
-            <a:off x="6558116" y="3608156"/>
+            <a:off x="6971070" y="4320898"/>
             <a:ext cx="4316360" cy="954107"/>
           </a:xfrm>
           <a:prstGeom prst="rect">
@@ -3852,36 +3852,6 @@
       </p:sp>
       <p:pic>
         <p:nvPicPr>
-          <p:cNvPr id="10" name="Picture 9">
-            <a:extLst>
-              <a:ext uri="{FF2B5EF4-FFF2-40B4-BE49-F238E27FC236}">
-                <a16:creationId xmlns:a16="http://schemas.microsoft.com/office/drawing/2014/main" id="{5D9D0149-C966-42E3-9ECE-005AB8E6BC1A}"/>
-              </a:ext>
-            </a:extLst>
-          </p:cNvPr>
-          <p:cNvPicPr>
-            <a:picLocks noChangeAspect="1"/>
-          </p:cNvPicPr>
-          <p:nvPr/>
-        </p:nvPicPr>
-        <p:blipFill>
-          <a:blip r:embed="rId5"/>
-          <a:stretch>
-            <a:fillRect/>
-          </a:stretch>
-        </p:blipFill>
-        <p:spPr>
-          <a:xfrm>
-            <a:off x="1317524" y="3571966"/>
-            <a:ext cx="2305050" cy="952500"/>
-          </a:xfrm>
-          <a:prstGeom prst="rect">
-            <a:avLst/>
-          </a:prstGeom>
-        </p:spPr>
-      </p:pic>
-      <p:pic>
-        <p:nvPicPr>
           <p:cNvPr id="8" name="Picture 7">
             <a:extLst>
               <a:ext uri="{FF2B5EF4-FFF2-40B4-BE49-F238E27FC236}">
@@ -3895,13 +3865,13 @@
           <p:nvPr/>
         </p:nvPicPr>
         <p:blipFill rotWithShape="1">
-          <a:blip r:embed="rId6"/>
+          <a:blip r:embed="rId5"/>
           <a:srcRect t="15238" r="14265"/>
           <a:stretch/>
         </p:blipFill>
         <p:spPr>
           <a:xfrm>
-            <a:off x="161931" y="217118"/>
+            <a:off x="119641" y="5336816"/>
             <a:ext cx="1981500" cy="1403547"/>
           </a:xfrm>
           <a:prstGeom prst="rect">
@@ -3909,6 +3879,317 @@
           </a:prstGeom>
         </p:spPr>
       </p:pic>
+      <p:sp>
+        <p:nvSpPr>
+          <p:cNvPr id="16" name="TextBox 15">
+            <a:extLst>
+              <a:ext uri="{FF2B5EF4-FFF2-40B4-BE49-F238E27FC236}">
+                <a16:creationId xmlns:a16="http://schemas.microsoft.com/office/drawing/2014/main" id="{C2E6DEFE-C727-489E-A1A5-AF5A911738E9}"/>
+              </a:ext>
+            </a:extLst>
+          </p:cNvPr>
+          <p:cNvSpPr txBox="1"/>
+          <p:nvPr/>
+        </p:nvSpPr>
+        <p:spPr>
+          <a:xfrm>
+            <a:off x="2556385" y="4325891"/>
+            <a:ext cx="4316360" cy="954107"/>
+          </a:xfrm>
+          <a:prstGeom prst="rect">
+            <a:avLst/>
+          </a:prstGeom>
+          <a:solidFill>
+            <a:srgbClr val="1D85AD"/>
+          </a:solidFill>
+          <a:ln w="12700">
+            <a:solidFill>
+              <a:schemeClr val="bg1"/>
+            </a:solidFill>
+          </a:ln>
+        </p:spPr>
+        <p:txBody>
+          <a:bodyPr wrap="square" rtlCol="0">
+            <a:spAutoFit/>
+          </a:bodyPr>
+          <a:lstStyle/>
+          <a:p>
+            <a:pPr algn="ctr"/>
+            <a:r>
+              <a:rPr lang="en-US" sz="2800" b="1" dirty="0">
+                <a:solidFill>
+                  <a:schemeClr val="bg1"/>
+                </a:solidFill>
+                <a:latin typeface="Arial" panose="020B0604020202020204" pitchFamily="34" charset="0"/>
+                <a:cs typeface="Arial" panose="020B0604020202020204" pitchFamily="34" charset="0"/>
+              </a:rPr>
+              <a:t>WEB LOGGER </a:t>
+            </a:r>
+            <a:endParaRPr lang="en-US" sz="2800" b="1" i="1" dirty="0">
+              <a:solidFill>
+                <a:schemeClr val="bg1"/>
+              </a:solidFill>
+              <a:latin typeface="Arial" panose="020B0604020202020204" pitchFamily="34" charset="0"/>
+              <a:cs typeface="Arial" panose="020B0604020202020204" pitchFamily="34" charset="0"/>
+            </a:endParaRPr>
+          </a:p>
+          <a:p>
+            <a:pPr algn="ctr"/>
+            <a:r>
+              <a:rPr lang="en-US" sz="2800" b="1" dirty="0">
+                <a:solidFill>
+                  <a:schemeClr val="bg1"/>
+                </a:solidFill>
+                <a:latin typeface="Arial" panose="020B0604020202020204" pitchFamily="34" charset="0"/>
+                <a:cs typeface="Arial" panose="020B0604020202020204" pitchFamily="34" charset="0"/>
+              </a:rPr>
+              <a:t>RESPIMATIC 100 </a:t>
+            </a:r>
+            <a:endParaRPr lang="en-IN" sz="2800" b="1" dirty="0">
+              <a:solidFill>
+                <a:schemeClr val="bg1"/>
+              </a:solidFill>
+              <a:latin typeface="Arial" panose="020B0604020202020204" pitchFamily="34" charset="0"/>
+              <a:cs typeface="Arial" panose="020B0604020202020204" pitchFamily="34" charset="0"/>
+            </a:endParaRPr>
+          </a:p>
+        </p:txBody>
+      </p:sp>
+      <p:grpSp>
+        <p:nvGrpSpPr>
+          <p:cNvPr id="18" name="Group 17">
+            <a:extLst>
+              <a:ext uri="{FF2B5EF4-FFF2-40B4-BE49-F238E27FC236}">
+                <a16:creationId xmlns:a16="http://schemas.microsoft.com/office/drawing/2014/main" id="{C8BE37C5-9332-4D4C-AD00-74BB5800C3E0}"/>
+              </a:ext>
+            </a:extLst>
+          </p:cNvPr>
+          <p:cNvGrpSpPr/>
+          <p:nvPr/>
+        </p:nvGrpSpPr>
+        <p:grpSpPr>
+          <a:xfrm>
+            <a:off x="2556384" y="2533579"/>
+            <a:ext cx="8731046" cy="1615731"/>
+            <a:chOff x="2143432" y="1620665"/>
+            <a:chExt cx="8731046" cy="1615731"/>
+          </a:xfrm>
+        </p:grpSpPr>
+        <p:sp>
+          <p:nvSpPr>
+            <p:cNvPr id="19" name="Rectangle 18">
+              <a:extLst>
+                <a:ext uri="{FF2B5EF4-FFF2-40B4-BE49-F238E27FC236}">
+                  <a16:creationId xmlns:a16="http://schemas.microsoft.com/office/drawing/2014/main" id="{6ACFA861-5FF8-42DC-8719-2189881D8E02}"/>
+                </a:ext>
+              </a:extLst>
+            </p:cNvPr>
+            <p:cNvSpPr/>
+            <p:nvPr/>
+          </p:nvSpPr>
+          <p:spPr>
+            <a:xfrm>
+              <a:off x="2143433" y="2223391"/>
+              <a:ext cx="8731045" cy="1013005"/>
+            </a:xfrm>
+            <a:prstGeom prst="rect">
+              <a:avLst/>
+            </a:prstGeom>
+            <a:solidFill>
+              <a:srgbClr val="0D3E51"/>
+            </a:solidFill>
+            <a:ln w="28575">
+              <a:noFill/>
+            </a:ln>
+          </p:spPr>
+          <p:style>
+            <a:lnRef idx="2">
+              <a:schemeClr val="accent1">
+                <a:shade val="50000"/>
+              </a:schemeClr>
+            </a:lnRef>
+            <a:fillRef idx="1">
+              <a:schemeClr val="accent1"/>
+            </a:fillRef>
+            <a:effectRef idx="0">
+              <a:schemeClr val="accent1"/>
+            </a:effectRef>
+            <a:fontRef idx="minor">
+              <a:schemeClr val="lt1"/>
+            </a:fontRef>
+          </p:style>
+          <p:txBody>
+            <a:bodyPr rtlCol="0" anchor="ctr"/>
+            <a:lstStyle/>
+            <a:p>
+              <a:pPr algn="ctr"/>
+              <a:endParaRPr lang="en-IN"/>
+            </a:p>
+          </p:txBody>
+        </p:sp>
+        <p:pic>
+          <p:nvPicPr>
+            <p:cNvPr id="20" name="Picture 19">
+              <a:extLst>
+                <a:ext uri="{FF2B5EF4-FFF2-40B4-BE49-F238E27FC236}">
+                  <a16:creationId xmlns:a16="http://schemas.microsoft.com/office/drawing/2014/main" id="{C987E7F5-338D-4871-AC12-5D566D7F9555}"/>
+                </a:ext>
+              </a:extLst>
+            </p:cNvPr>
+            <p:cNvPicPr/>
+            <p:nvPr/>
+          </p:nvPicPr>
+          <p:blipFill>
+            <a:blip r:embed="rId2" cstate="print">
+              <a:extLst>
+                <a:ext uri="{28A0092B-C50C-407E-A947-70E740481C1C}">
+                  <a14:useLocalDpi xmlns:a14="http://schemas.microsoft.com/office/drawing/2010/main" val="0"/>
+                </a:ext>
+              </a:extLst>
+            </a:blip>
+            <a:stretch>
+              <a:fillRect/>
+            </a:stretch>
+          </p:blipFill>
+          <p:spPr>
+            <a:xfrm>
+              <a:off x="2338625" y="2421107"/>
+              <a:ext cx="2920183" cy="656278"/>
+            </a:xfrm>
+            <a:prstGeom prst="rect">
+              <a:avLst/>
+            </a:prstGeom>
+            <a:ln>
+              <a:solidFill>
+                <a:schemeClr val="bg1"/>
+              </a:solidFill>
+            </a:ln>
+          </p:spPr>
+        </p:pic>
+        <p:pic>
+          <p:nvPicPr>
+            <p:cNvPr id="21" name="Picture 20">
+              <a:extLst>
+                <a:ext uri="{FF2B5EF4-FFF2-40B4-BE49-F238E27FC236}">
+                  <a16:creationId xmlns:a16="http://schemas.microsoft.com/office/drawing/2014/main" id="{3A5F41CA-5174-4C09-8165-A1DD0FA447DF}"/>
+                </a:ext>
+              </a:extLst>
+            </p:cNvPr>
+            <p:cNvPicPr/>
+            <p:nvPr/>
+          </p:nvPicPr>
+          <p:blipFill>
+            <a:blip r:embed="rId3" cstate="print">
+              <a:extLst>
+                <a:ext uri="{28A0092B-C50C-407E-A947-70E740481C1C}">
+                  <a14:useLocalDpi xmlns:a14="http://schemas.microsoft.com/office/drawing/2010/main" val="0"/>
+                </a:ext>
+              </a:extLst>
+            </a:blip>
+            <a:stretch/>
+          </p:blipFill>
+          <p:spPr>
+            <a:xfrm>
+              <a:off x="5733773" y="2302896"/>
+              <a:ext cx="1801537" cy="853994"/>
+            </a:xfrm>
+            <a:prstGeom prst="rect">
+              <a:avLst/>
+            </a:prstGeom>
+          </p:spPr>
+        </p:pic>
+        <p:pic>
+          <p:nvPicPr>
+            <p:cNvPr id="22" name="Picture 21">
+              <a:extLst>
+                <a:ext uri="{FF2B5EF4-FFF2-40B4-BE49-F238E27FC236}">
+                  <a16:creationId xmlns:a16="http://schemas.microsoft.com/office/drawing/2014/main" id="{295A3E85-CD50-4315-B303-BA2B8BB3D90D}"/>
+                </a:ext>
+              </a:extLst>
+            </p:cNvPr>
+            <p:cNvPicPr/>
+            <p:nvPr/>
+          </p:nvPicPr>
+          <p:blipFill>
+            <a:blip r:embed="rId4">
+              <a:extLst>
+                <a:ext uri="{28A0092B-C50C-407E-A947-70E740481C1C}">
+                  <a14:useLocalDpi xmlns:a14="http://schemas.microsoft.com/office/drawing/2010/main" val="0"/>
+                </a:ext>
+              </a:extLst>
+            </a:blip>
+            <a:stretch>
+              <a:fillRect/>
+            </a:stretch>
+          </p:blipFill>
+          <p:spPr>
+            <a:xfrm>
+              <a:off x="8010275" y="2421107"/>
+              <a:ext cx="2658625" cy="656278"/>
+            </a:xfrm>
+            <a:prstGeom prst="rect">
+              <a:avLst/>
+            </a:prstGeom>
+            <a:ln>
+              <a:solidFill>
+                <a:schemeClr val="bg1"/>
+              </a:solidFill>
+            </a:ln>
+          </p:spPr>
+        </p:pic>
+        <p:sp>
+          <p:nvSpPr>
+            <p:cNvPr id="23" name="TextBox 22">
+              <a:extLst>
+                <a:ext uri="{FF2B5EF4-FFF2-40B4-BE49-F238E27FC236}">
+                  <a16:creationId xmlns:a16="http://schemas.microsoft.com/office/drawing/2014/main" id="{075BC6D3-903A-4720-A496-0DBA36AA8524}"/>
+                </a:ext>
+              </a:extLst>
+            </p:cNvPr>
+            <p:cNvSpPr txBox="1"/>
+            <p:nvPr/>
+          </p:nvSpPr>
+          <p:spPr>
+            <a:xfrm>
+              <a:off x="2143432" y="1620665"/>
+              <a:ext cx="8731045" cy="584775"/>
+            </a:xfrm>
+            <a:prstGeom prst="rect">
+              <a:avLst/>
+            </a:prstGeom>
+            <a:solidFill>
+              <a:srgbClr val="1D85AD"/>
+            </a:solidFill>
+            <a:ln w="28575">
+              <a:noFill/>
+            </a:ln>
+          </p:spPr>
+          <p:txBody>
+            <a:bodyPr wrap="square" rtlCol="0">
+              <a:spAutoFit/>
+            </a:bodyPr>
+            <a:lstStyle/>
+            <a:p>
+              <a:pPr algn="ctr"/>
+              <a:r>
+                <a:rPr lang="en-US" sz="3200" b="1" dirty="0">
+                  <a:solidFill>
+                    <a:schemeClr val="bg1"/>
+                  </a:solidFill>
+                  <a:latin typeface="Cera Pro Medium" panose="00000600000000000000" pitchFamily="50" charset="0"/>
+                </a:rPr>
+                <a:t>RESPIMATIC 100 WEB DASHBOARD</a:t>
+              </a:r>
+              <a:endParaRPr lang="en-IN" sz="3200" b="1" dirty="0">
+                <a:solidFill>
+                  <a:schemeClr val="bg1"/>
+                </a:solidFill>
+                <a:latin typeface="Cera Pro Medium" panose="00000600000000000000" pitchFamily="50" charset="0"/>
+              </a:endParaRPr>
+            </a:p>
+          </p:txBody>
+        </p:sp>
+      </p:grpSp>
     </p:spTree>
     <p:extLst>
       <p:ext uri="{BB962C8B-B14F-4D97-AF65-F5344CB8AC3E}">

--- a/Logo.pptx
+++ b/Logo.pptx
@@ -263,7 +263,7 @@
           <a:p>
             <a:fld id="{4967892D-CE2D-495A-A9CA-7CB88C831AAA}" type="datetimeFigureOut">
               <a:rPr lang="en-IN" smtClean="0"/>
-              <a:t>26-07-2021</a:t>
+              <a:t>03-08-2021</a:t>
             </a:fld>
             <a:endParaRPr lang="en-IN"/>
           </a:p>
@@ -463,7 +463,7 @@
           <a:p>
             <a:fld id="{4967892D-CE2D-495A-A9CA-7CB88C831AAA}" type="datetimeFigureOut">
               <a:rPr lang="en-IN" smtClean="0"/>
-              <a:t>26-07-2021</a:t>
+              <a:t>03-08-2021</a:t>
             </a:fld>
             <a:endParaRPr lang="en-IN"/>
           </a:p>
@@ -673,7 +673,7 @@
           <a:p>
             <a:fld id="{4967892D-CE2D-495A-A9CA-7CB88C831AAA}" type="datetimeFigureOut">
               <a:rPr lang="en-IN" smtClean="0"/>
-              <a:t>26-07-2021</a:t>
+              <a:t>03-08-2021</a:t>
             </a:fld>
             <a:endParaRPr lang="en-IN"/>
           </a:p>
@@ -873,7 +873,7 @@
           <a:p>
             <a:fld id="{4967892D-CE2D-495A-A9CA-7CB88C831AAA}" type="datetimeFigureOut">
               <a:rPr lang="en-IN" smtClean="0"/>
-              <a:t>26-07-2021</a:t>
+              <a:t>03-08-2021</a:t>
             </a:fld>
             <a:endParaRPr lang="en-IN"/>
           </a:p>
@@ -1149,7 +1149,7 @@
           <a:p>
             <a:fld id="{4967892D-CE2D-495A-A9CA-7CB88C831AAA}" type="datetimeFigureOut">
               <a:rPr lang="en-IN" smtClean="0"/>
-              <a:t>26-07-2021</a:t>
+              <a:t>03-08-2021</a:t>
             </a:fld>
             <a:endParaRPr lang="en-IN"/>
           </a:p>
@@ -1417,7 +1417,7 @@
           <a:p>
             <a:fld id="{4967892D-CE2D-495A-A9CA-7CB88C831AAA}" type="datetimeFigureOut">
               <a:rPr lang="en-IN" smtClean="0"/>
-              <a:t>26-07-2021</a:t>
+              <a:t>03-08-2021</a:t>
             </a:fld>
             <a:endParaRPr lang="en-IN"/>
           </a:p>
@@ -1832,7 +1832,7 @@
           <a:p>
             <a:fld id="{4967892D-CE2D-495A-A9CA-7CB88C831AAA}" type="datetimeFigureOut">
               <a:rPr lang="en-IN" smtClean="0"/>
-              <a:t>26-07-2021</a:t>
+              <a:t>03-08-2021</a:t>
             </a:fld>
             <a:endParaRPr lang="en-IN"/>
           </a:p>
@@ -1974,7 +1974,7 @@
           <a:p>
             <a:fld id="{4967892D-CE2D-495A-A9CA-7CB88C831AAA}" type="datetimeFigureOut">
               <a:rPr lang="en-IN" smtClean="0"/>
-              <a:t>26-07-2021</a:t>
+              <a:t>03-08-2021</a:t>
             </a:fld>
             <a:endParaRPr lang="en-IN"/>
           </a:p>
@@ -2087,7 +2087,7 @@
           <a:p>
             <a:fld id="{4967892D-CE2D-495A-A9CA-7CB88C831AAA}" type="datetimeFigureOut">
               <a:rPr lang="en-IN" smtClean="0"/>
-              <a:t>26-07-2021</a:t>
+              <a:t>03-08-2021</a:t>
             </a:fld>
             <a:endParaRPr lang="en-IN"/>
           </a:p>
@@ -2400,7 +2400,7 @@
           <a:p>
             <a:fld id="{4967892D-CE2D-495A-A9CA-7CB88C831AAA}" type="datetimeFigureOut">
               <a:rPr lang="en-IN" smtClean="0"/>
-              <a:t>26-07-2021</a:t>
+              <a:t>03-08-2021</a:t>
             </a:fld>
             <a:endParaRPr lang="en-IN"/>
           </a:p>
@@ -2689,7 +2689,7 @@
           <a:p>
             <a:fld id="{4967892D-CE2D-495A-A9CA-7CB88C831AAA}" type="datetimeFigureOut">
               <a:rPr lang="en-IN" smtClean="0"/>
-              <a:t>26-07-2021</a:t>
+              <a:t>03-08-2021</a:t>
             </a:fld>
             <a:endParaRPr lang="en-IN"/>
           </a:p>
@@ -2932,7 +2932,7 @@
           <a:p>
             <a:fld id="{4967892D-CE2D-495A-A9CA-7CB88C831AAA}" type="datetimeFigureOut">
               <a:rPr lang="en-IN" smtClean="0"/>
-              <a:t>26-07-2021</a:t>
+              <a:t>03-08-2021</a:t>
             </a:fld>
             <a:endParaRPr lang="en-IN"/>
           </a:p>
@@ -4190,6 +4190,82 @@
           </p:txBody>
         </p:sp>
       </p:grpSp>
+      <p:sp>
+        <p:nvSpPr>
+          <p:cNvPr id="24" name="TextBox 23">
+            <a:extLst>
+              <a:ext uri="{FF2B5EF4-FFF2-40B4-BE49-F238E27FC236}">
+                <a16:creationId xmlns:a16="http://schemas.microsoft.com/office/drawing/2014/main" id="{9D41796A-FD05-4AD1-BA12-66C961406249}"/>
+              </a:ext>
+            </a:extLst>
+          </p:cNvPr>
+          <p:cNvSpPr txBox="1"/>
+          <p:nvPr/>
+        </p:nvSpPr>
+        <p:spPr>
+          <a:xfrm>
+            <a:off x="260552" y="291461"/>
+            <a:ext cx="4316360" cy="954107"/>
+          </a:xfrm>
+          <a:prstGeom prst="rect">
+            <a:avLst/>
+          </a:prstGeom>
+          <a:solidFill>
+            <a:srgbClr val="1D85AD"/>
+          </a:solidFill>
+          <a:ln w="12700">
+            <a:solidFill>
+              <a:schemeClr val="bg1"/>
+            </a:solidFill>
+          </a:ln>
+        </p:spPr>
+        <p:txBody>
+          <a:bodyPr wrap="square" rtlCol="0">
+            <a:spAutoFit/>
+          </a:bodyPr>
+          <a:lstStyle/>
+          <a:p>
+            <a:pPr algn="ctr"/>
+            <a:r>
+              <a:rPr lang="en-US" sz="2800" b="1" dirty="0">
+                <a:solidFill>
+                  <a:schemeClr val="bg1"/>
+                </a:solidFill>
+                <a:latin typeface="Arial" panose="020B0604020202020204" pitchFamily="34" charset="0"/>
+                <a:cs typeface="Arial" panose="020B0604020202020204" pitchFamily="34" charset="0"/>
+              </a:rPr>
+              <a:t>WEB APPS </a:t>
+            </a:r>
+            <a:endParaRPr lang="en-US" sz="2800" b="1" i="1" dirty="0">
+              <a:solidFill>
+                <a:schemeClr val="bg1"/>
+              </a:solidFill>
+              <a:latin typeface="Arial" panose="020B0604020202020204" pitchFamily="34" charset="0"/>
+              <a:cs typeface="Arial" panose="020B0604020202020204" pitchFamily="34" charset="0"/>
+            </a:endParaRPr>
+          </a:p>
+          <a:p>
+            <a:pPr algn="ctr"/>
+            <a:r>
+              <a:rPr lang="en-US" sz="2800" b="1" dirty="0">
+                <a:solidFill>
+                  <a:schemeClr val="bg1"/>
+                </a:solidFill>
+                <a:latin typeface="Arial" panose="020B0604020202020204" pitchFamily="34" charset="0"/>
+                <a:cs typeface="Arial" panose="020B0604020202020204" pitchFamily="34" charset="0"/>
+              </a:rPr>
+              <a:t>RESPIMATIC 100 </a:t>
+            </a:r>
+            <a:endParaRPr lang="en-IN" sz="2800" b="1" dirty="0">
+              <a:solidFill>
+                <a:schemeClr val="bg1"/>
+              </a:solidFill>
+              <a:latin typeface="Arial" panose="020B0604020202020204" pitchFamily="34" charset="0"/>
+              <a:cs typeface="Arial" panose="020B0604020202020204" pitchFamily="34" charset="0"/>
+            </a:endParaRPr>
+          </a:p>
+        </p:txBody>
+      </p:sp>
     </p:spTree>
     <p:extLst>
       <p:ext uri="{BB962C8B-B14F-4D97-AF65-F5344CB8AC3E}">

--- a/Logo.pptx
+++ b/Logo.pptx
@@ -6,8 +6,9 @@
   </p:sldMasterIdLst>
   <p:sldIdLst>
     <p:sldId id="256" r:id="rId2"/>
-    <p:sldId id="257" r:id="rId3"/>
-    <p:sldId id="258" r:id="rId4"/>
+    <p:sldId id="259" r:id="rId3"/>
+    <p:sldId id="257" r:id="rId4"/>
+    <p:sldId id="258" r:id="rId5"/>
   </p:sldIdLst>
   <p:sldSz cx="12192000" cy="6858000"/>
   <p:notesSz cx="6858000" cy="9144000"/>
@@ -263,7 +264,7 @@
           <a:p>
             <a:fld id="{4967892D-CE2D-495A-A9CA-7CB88C831AAA}" type="datetimeFigureOut">
               <a:rPr lang="en-IN" smtClean="0"/>
-              <a:t>03-08-2021</a:t>
+              <a:t>04-08-2021</a:t>
             </a:fld>
             <a:endParaRPr lang="en-IN"/>
           </a:p>
@@ -463,7 +464,7 @@
           <a:p>
             <a:fld id="{4967892D-CE2D-495A-A9CA-7CB88C831AAA}" type="datetimeFigureOut">
               <a:rPr lang="en-IN" smtClean="0"/>
-              <a:t>03-08-2021</a:t>
+              <a:t>04-08-2021</a:t>
             </a:fld>
             <a:endParaRPr lang="en-IN"/>
           </a:p>
@@ -673,7 +674,7 @@
           <a:p>
             <a:fld id="{4967892D-CE2D-495A-A9CA-7CB88C831AAA}" type="datetimeFigureOut">
               <a:rPr lang="en-IN" smtClean="0"/>
-              <a:t>03-08-2021</a:t>
+              <a:t>04-08-2021</a:t>
             </a:fld>
             <a:endParaRPr lang="en-IN"/>
           </a:p>
@@ -873,7 +874,7 @@
           <a:p>
             <a:fld id="{4967892D-CE2D-495A-A9CA-7CB88C831AAA}" type="datetimeFigureOut">
               <a:rPr lang="en-IN" smtClean="0"/>
-              <a:t>03-08-2021</a:t>
+              <a:t>04-08-2021</a:t>
             </a:fld>
             <a:endParaRPr lang="en-IN"/>
           </a:p>
@@ -1149,7 +1150,7 @@
           <a:p>
             <a:fld id="{4967892D-CE2D-495A-A9CA-7CB88C831AAA}" type="datetimeFigureOut">
               <a:rPr lang="en-IN" smtClean="0"/>
-              <a:t>03-08-2021</a:t>
+              <a:t>04-08-2021</a:t>
             </a:fld>
             <a:endParaRPr lang="en-IN"/>
           </a:p>
@@ -1417,7 +1418,7 @@
           <a:p>
             <a:fld id="{4967892D-CE2D-495A-A9CA-7CB88C831AAA}" type="datetimeFigureOut">
               <a:rPr lang="en-IN" smtClean="0"/>
-              <a:t>03-08-2021</a:t>
+              <a:t>04-08-2021</a:t>
             </a:fld>
             <a:endParaRPr lang="en-IN"/>
           </a:p>
@@ -1832,7 +1833,7 @@
           <a:p>
             <a:fld id="{4967892D-CE2D-495A-A9CA-7CB88C831AAA}" type="datetimeFigureOut">
               <a:rPr lang="en-IN" smtClean="0"/>
-              <a:t>03-08-2021</a:t>
+              <a:t>04-08-2021</a:t>
             </a:fld>
             <a:endParaRPr lang="en-IN"/>
           </a:p>
@@ -1974,7 +1975,7 @@
           <a:p>
             <a:fld id="{4967892D-CE2D-495A-A9CA-7CB88C831AAA}" type="datetimeFigureOut">
               <a:rPr lang="en-IN" smtClean="0"/>
-              <a:t>03-08-2021</a:t>
+              <a:t>04-08-2021</a:t>
             </a:fld>
             <a:endParaRPr lang="en-IN"/>
           </a:p>
@@ -2087,7 +2088,7 @@
           <a:p>
             <a:fld id="{4967892D-CE2D-495A-A9CA-7CB88C831AAA}" type="datetimeFigureOut">
               <a:rPr lang="en-IN" smtClean="0"/>
-              <a:t>03-08-2021</a:t>
+              <a:t>04-08-2021</a:t>
             </a:fld>
             <a:endParaRPr lang="en-IN"/>
           </a:p>
@@ -2400,7 +2401,7 @@
           <a:p>
             <a:fld id="{4967892D-CE2D-495A-A9CA-7CB88C831AAA}" type="datetimeFigureOut">
               <a:rPr lang="en-IN" smtClean="0"/>
-              <a:t>03-08-2021</a:t>
+              <a:t>04-08-2021</a:t>
             </a:fld>
             <a:endParaRPr lang="en-IN"/>
           </a:p>
@@ -2689,7 +2690,7 @@
           <a:p>
             <a:fld id="{4967892D-CE2D-495A-A9CA-7CB88C831AAA}" type="datetimeFigureOut">
               <a:rPr lang="en-IN" smtClean="0"/>
-              <a:t>03-08-2021</a:t>
+              <a:t>04-08-2021</a:t>
             </a:fld>
             <a:endParaRPr lang="en-IN"/>
           </a:p>
@@ -2932,7 +2933,7 @@
           <a:p>
             <a:fld id="{4967892D-CE2D-495A-A9CA-7CB88C831AAA}" type="datetimeFigureOut">
               <a:rPr lang="en-IN" smtClean="0"/>
-              <a:t>03-08-2021</a:t>
+              <a:t>04-08-2021</a:t>
             </a:fld>
             <a:endParaRPr lang="en-IN"/>
           </a:p>
@@ -3363,7 +3364,7 @@
         </p:nvGrpSpPr>
         <p:grpSpPr>
           <a:xfrm>
-            <a:off x="2507221" y="734511"/>
+            <a:off x="2467892" y="239310"/>
             <a:ext cx="8731046" cy="1615731"/>
             <a:chOff x="2143432" y="1620665"/>
             <a:chExt cx="8731046" cy="1615731"/>
@@ -3774,82 +3775,6 @@
           </p:spPr>
         </p:pic>
       </p:grpSp>
-      <p:sp>
-        <p:nvSpPr>
-          <p:cNvPr id="15" name="TextBox 14">
-            <a:extLst>
-              <a:ext uri="{FF2B5EF4-FFF2-40B4-BE49-F238E27FC236}">
-                <a16:creationId xmlns:a16="http://schemas.microsoft.com/office/drawing/2014/main" id="{468F35F0-88EA-4BAC-8CBC-DC44136084FA}"/>
-              </a:ext>
-            </a:extLst>
-          </p:cNvPr>
-          <p:cNvSpPr txBox="1"/>
-          <p:nvPr/>
-        </p:nvSpPr>
-        <p:spPr>
-          <a:xfrm>
-            <a:off x="6971070" y="4320898"/>
-            <a:ext cx="4316360" cy="954107"/>
-          </a:xfrm>
-          <a:prstGeom prst="rect">
-            <a:avLst/>
-          </a:prstGeom>
-          <a:solidFill>
-            <a:srgbClr val="1D85AD"/>
-          </a:solidFill>
-          <a:ln w="12700">
-            <a:solidFill>
-              <a:schemeClr val="bg1"/>
-            </a:solidFill>
-          </a:ln>
-        </p:spPr>
-        <p:txBody>
-          <a:bodyPr wrap="square" rtlCol="0">
-            <a:spAutoFit/>
-          </a:bodyPr>
-          <a:lstStyle/>
-          <a:p>
-            <a:pPr algn="ctr"/>
-            <a:r>
-              <a:rPr lang="en-US" sz="2800" b="1" dirty="0">
-                <a:solidFill>
-                  <a:schemeClr val="bg1"/>
-                </a:solidFill>
-                <a:latin typeface="Arial" panose="020B0604020202020204" pitchFamily="34" charset="0"/>
-                <a:cs typeface="Arial" panose="020B0604020202020204" pitchFamily="34" charset="0"/>
-              </a:rPr>
-              <a:t>WEB DASHBOARD </a:t>
-            </a:r>
-            <a:endParaRPr lang="en-US" sz="2800" b="1" i="1" dirty="0">
-              <a:solidFill>
-                <a:schemeClr val="bg1"/>
-              </a:solidFill>
-              <a:latin typeface="Arial" panose="020B0604020202020204" pitchFamily="34" charset="0"/>
-              <a:cs typeface="Arial" panose="020B0604020202020204" pitchFamily="34" charset="0"/>
-            </a:endParaRPr>
-          </a:p>
-          <a:p>
-            <a:pPr algn="ctr"/>
-            <a:r>
-              <a:rPr lang="en-US" sz="2800" b="1" dirty="0">
-                <a:solidFill>
-                  <a:schemeClr val="bg1"/>
-                </a:solidFill>
-                <a:latin typeface="Arial" panose="020B0604020202020204" pitchFamily="34" charset="0"/>
-                <a:cs typeface="Arial" panose="020B0604020202020204" pitchFamily="34" charset="0"/>
-              </a:rPr>
-              <a:t>RESPIMATIC 100 </a:t>
-            </a:r>
-            <a:endParaRPr lang="en-IN" sz="2800" b="1" dirty="0">
-              <a:solidFill>
-                <a:schemeClr val="bg1"/>
-              </a:solidFill>
-              <a:latin typeface="Arial" panose="020B0604020202020204" pitchFamily="34" charset="0"/>
-              <a:cs typeface="Arial" panose="020B0604020202020204" pitchFamily="34" charset="0"/>
-            </a:endParaRPr>
-          </a:p>
-        </p:txBody>
-      </p:sp>
       <p:pic>
         <p:nvPicPr>
           <p:cNvPr id="8" name="Picture 7">
@@ -3879,82 +3804,6 @@
           </a:prstGeom>
         </p:spPr>
       </p:pic>
-      <p:sp>
-        <p:nvSpPr>
-          <p:cNvPr id="16" name="TextBox 15">
-            <a:extLst>
-              <a:ext uri="{FF2B5EF4-FFF2-40B4-BE49-F238E27FC236}">
-                <a16:creationId xmlns:a16="http://schemas.microsoft.com/office/drawing/2014/main" id="{C2E6DEFE-C727-489E-A1A5-AF5A911738E9}"/>
-              </a:ext>
-            </a:extLst>
-          </p:cNvPr>
-          <p:cNvSpPr txBox="1"/>
-          <p:nvPr/>
-        </p:nvSpPr>
-        <p:spPr>
-          <a:xfrm>
-            <a:off x="2556385" y="4325891"/>
-            <a:ext cx="4316360" cy="954107"/>
-          </a:xfrm>
-          <a:prstGeom prst="rect">
-            <a:avLst/>
-          </a:prstGeom>
-          <a:solidFill>
-            <a:srgbClr val="1D85AD"/>
-          </a:solidFill>
-          <a:ln w="12700">
-            <a:solidFill>
-              <a:schemeClr val="bg1"/>
-            </a:solidFill>
-          </a:ln>
-        </p:spPr>
-        <p:txBody>
-          <a:bodyPr wrap="square" rtlCol="0">
-            <a:spAutoFit/>
-          </a:bodyPr>
-          <a:lstStyle/>
-          <a:p>
-            <a:pPr algn="ctr"/>
-            <a:r>
-              <a:rPr lang="en-US" sz="2800" b="1" dirty="0">
-                <a:solidFill>
-                  <a:schemeClr val="bg1"/>
-                </a:solidFill>
-                <a:latin typeface="Arial" panose="020B0604020202020204" pitchFamily="34" charset="0"/>
-                <a:cs typeface="Arial" panose="020B0604020202020204" pitchFamily="34" charset="0"/>
-              </a:rPr>
-              <a:t>WEB LOGGER </a:t>
-            </a:r>
-            <a:endParaRPr lang="en-US" sz="2800" b="1" i="1" dirty="0">
-              <a:solidFill>
-                <a:schemeClr val="bg1"/>
-              </a:solidFill>
-              <a:latin typeface="Arial" panose="020B0604020202020204" pitchFamily="34" charset="0"/>
-              <a:cs typeface="Arial" panose="020B0604020202020204" pitchFamily="34" charset="0"/>
-            </a:endParaRPr>
-          </a:p>
-          <a:p>
-            <a:pPr algn="ctr"/>
-            <a:r>
-              <a:rPr lang="en-US" sz="2800" b="1" dirty="0">
-                <a:solidFill>
-                  <a:schemeClr val="bg1"/>
-                </a:solidFill>
-                <a:latin typeface="Arial" panose="020B0604020202020204" pitchFamily="34" charset="0"/>
-                <a:cs typeface="Arial" panose="020B0604020202020204" pitchFamily="34" charset="0"/>
-              </a:rPr>
-              <a:t>RESPIMATIC 100 </a:t>
-            </a:r>
-            <a:endParaRPr lang="en-IN" sz="2800" b="1" dirty="0">
-              <a:solidFill>
-                <a:schemeClr val="bg1"/>
-              </a:solidFill>
-              <a:latin typeface="Arial" panose="020B0604020202020204" pitchFamily="34" charset="0"/>
-              <a:cs typeface="Arial" panose="020B0604020202020204" pitchFamily="34" charset="0"/>
-            </a:endParaRPr>
-          </a:p>
-        </p:txBody>
-      </p:sp>
       <p:grpSp>
         <p:nvGrpSpPr>
           <p:cNvPr id="18" name="Group 17">
@@ -3969,7 +3818,7 @@
         </p:nvGrpSpPr>
         <p:grpSpPr>
           <a:xfrm>
-            <a:off x="2556384" y="2533579"/>
+            <a:off x="2467892" y="1955818"/>
             <a:ext cx="8731046" cy="1615731"/>
             <a:chOff x="2143432" y="1620665"/>
             <a:chExt cx="8731046" cy="1615731"/>
@@ -4190,12 +4039,277 @@
           </p:txBody>
         </p:sp>
       </p:grpSp>
-      <p:sp>
-        <p:nvSpPr>
-          <p:cNvPr id="24" name="TextBox 23">
-            <a:extLst>
-              <a:ext uri="{FF2B5EF4-FFF2-40B4-BE49-F238E27FC236}">
-                <a16:creationId xmlns:a16="http://schemas.microsoft.com/office/drawing/2014/main" id="{9D41796A-FD05-4AD1-BA12-66C961406249}"/>
+      <p:grpSp>
+        <p:nvGrpSpPr>
+          <p:cNvPr id="25" name="Group 24">
+            <a:extLst>
+              <a:ext uri="{FF2B5EF4-FFF2-40B4-BE49-F238E27FC236}">
+                <a16:creationId xmlns:a16="http://schemas.microsoft.com/office/drawing/2014/main" id="{B63EBF99-594B-4791-BFF8-9B5382ABD057}"/>
+              </a:ext>
+            </a:extLst>
+          </p:cNvPr>
+          <p:cNvGrpSpPr/>
+          <p:nvPr/>
+        </p:nvGrpSpPr>
+        <p:grpSpPr>
+          <a:xfrm>
+            <a:off x="2467891" y="3676675"/>
+            <a:ext cx="8731046" cy="1615731"/>
+            <a:chOff x="2143432" y="1620665"/>
+            <a:chExt cx="8731046" cy="1615731"/>
+          </a:xfrm>
+        </p:grpSpPr>
+        <p:sp>
+          <p:nvSpPr>
+            <p:cNvPr id="26" name="Rectangle 25">
+              <a:extLst>
+                <a:ext uri="{FF2B5EF4-FFF2-40B4-BE49-F238E27FC236}">
+                  <a16:creationId xmlns:a16="http://schemas.microsoft.com/office/drawing/2014/main" id="{16AB9423-6EF8-4FF8-984C-6B708D46DE50}"/>
+                </a:ext>
+              </a:extLst>
+            </p:cNvPr>
+            <p:cNvSpPr/>
+            <p:nvPr/>
+          </p:nvSpPr>
+          <p:spPr>
+            <a:xfrm>
+              <a:off x="2143433" y="2223391"/>
+              <a:ext cx="8731045" cy="1013005"/>
+            </a:xfrm>
+            <a:prstGeom prst="rect">
+              <a:avLst/>
+            </a:prstGeom>
+            <a:solidFill>
+              <a:srgbClr val="0D3E51"/>
+            </a:solidFill>
+            <a:ln w="28575">
+              <a:noFill/>
+            </a:ln>
+          </p:spPr>
+          <p:style>
+            <a:lnRef idx="2">
+              <a:schemeClr val="accent1">
+                <a:shade val="50000"/>
+              </a:schemeClr>
+            </a:lnRef>
+            <a:fillRef idx="1">
+              <a:schemeClr val="accent1"/>
+            </a:fillRef>
+            <a:effectRef idx="0">
+              <a:schemeClr val="accent1"/>
+            </a:effectRef>
+            <a:fontRef idx="minor">
+              <a:schemeClr val="lt1"/>
+            </a:fontRef>
+          </p:style>
+          <p:txBody>
+            <a:bodyPr rtlCol="0" anchor="ctr"/>
+            <a:lstStyle/>
+            <a:p>
+              <a:pPr algn="ctr"/>
+              <a:endParaRPr lang="en-IN"/>
+            </a:p>
+          </p:txBody>
+        </p:sp>
+        <p:pic>
+          <p:nvPicPr>
+            <p:cNvPr id="27" name="Picture 26">
+              <a:extLst>
+                <a:ext uri="{FF2B5EF4-FFF2-40B4-BE49-F238E27FC236}">
+                  <a16:creationId xmlns:a16="http://schemas.microsoft.com/office/drawing/2014/main" id="{F873EFBC-E5EF-47DE-80AA-DCB7F5BEA3FC}"/>
+                </a:ext>
+              </a:extLst>
+            </p:cNvPr>
+            <p:cNvPicPr/>
+            <p:nvPr/>
+          </p:nvPicPr>
+          <p:blipFill>
+            <a:blip r:embed="rId2" cstate="print">
+              <a:extLst>
+                <a:ext uri="{28A0092B-C50C-407E-A947-70E740481C1C}">
+                  <a14:useLocalDpi xmlns:a14="http://schemas.microsoft.com/office/drawing/2010/main" val="0"/>
+                </a:ext>
+              </a:extLst>
+            </a:blip>
+            <a:stretch>
+              <a:fillRect/>
+            </a:stretch>
+          </p:blipFill>
+          <p:spPr>
+            <a:xfrm>
+              <a:off x="2338625" y="2421107"/>
+              <a:ext cx="2920183" cy="656278"/>
+            </a:xfrm>
+            <a:prstGeom prst="rect">
+              <a:avLst/>
+            </a:prstGeom>
+            <a:ln>
+              <a:solidFill>
+                <a:schemeClr val="bg1"/>
+              </a:solidFill>
+            </a:ln>
+          </p:spPr>
+        </p:pic>
+        <p:pic>
+          <p:nvPicPr>
+            <p:cNvPr id="28" name="Picture 27">
+              <a:extLst>
+                <a:ext uri="{FF2B5EF4-FFF2-40B4-BE49-F238E27FC236}">
+                  <a16:creationId xmlns:a16="http://schemas.microsoft.com/office/drawing/2014/main" id="{30E6A91A-1062-4143-9E03-94D9FA80B6CA}"/>
+                </a:ext>
+              </a:extLst>
+            </p:cNvPr>
+            <p:cNvPicPr/>
+            <p:nvPr/>
+          </p:nvPicPr>
+          <p:blipFill>
+            <a:blip r:embed="rId3" cstate="print">
+              <a:extLst>
+                <a:ext uri="{28A0092B-C50C-407E-A947-70E740481C1C}">
+                  <a14:useLocalDpi xmlns:a14="http://schemas.microsoft.com/office/drawing/2010/main" val="0"/>
+                </a:ext>
+              </a:extLst>
+            </a:blip>
+            <a:stretch/>
+          </p:blipFill>
+          <p:spPr>
+            <a:xfrm>
+              <a:off x="5733773" y="2302896"/>
+              <a:ext cx="1801537" cy="853994"/>
+            </a:xfrm>
+            <a:prstGeom prst="rect">
+              <a:avLst/>
+            </a:prstGeom>
+          </p:spPr>
+        </p:pic>
+        <p:pic>
+          <p:nvPicPr>
+            <p:cNvPr id="29" name="Picture 28">
+              <a:extLst>
+                <a:ext uri="{FF2B5EF4-FFF2-40B4-BE49-F238E27FC236}">
+                  <a16:creationId xmlns:a16="http://schemas.microsoft.com/office/drawing/2014/main" id="{6B0E30CF-2D6B-4622-9F37-303674CEC8BA}"/>
+                </a:ext>
+              </a:extLst>
+            </p:cNvPr>
+            <p:cNvPicPr/>
+            <p:nvPr/>
+          </p:nvPicPr>
+          <p:blipFill>
+            <a:blip r:embed="rId4">
+              <a:extLst>
+                <a:ext uri="{28A0092B-C50C-407E-A947-70E740481C1C}">
+                  <a14:useLocalDpi xmlns:a14="http://schemas.microsoft.com/office/drawing/2010/main" val="0"/>
+                </a:ext>
+              </a:extLst>
+            </a:blip>
+            <a:stretch>
+              <a:fillRect/>
+            </a:stretch>
+          </p:blipFill>
+          <p:spPr>
+            <a:xfrm>
+              <a:off x="8010275" y="2421107"/>
+              <a:ext cx="2658625" cy="656278"/>
+            </a:xfrm>
+            <a:prstGeom prst="rect">
+              <a:avLst/>
+            </a:prstGeom>
+            <a:ln>
+              <a:solidFill>
+                <a:schemeClr val="bg1"/>
+              </a:solidFill>
+            </a:ln>
+          </p:spPr>
+        </p:pic>
+        <p:sp>
+          <p:nvSpPr>
+            <p:cNvPr id="30" name="TextBox 29">
+              <a:extLst>
+                <a:ext uri="{FF2B5EF4-FFF2-40B4-BE49-F238E27FC236}">
+                  <a16:creationId xmlns:a16="http://schemas.microsoft.com/office/drawing/2014/main" id="{8FAA8612-9725-456C-A9CD-B40A7649A241}"/>
+                </a:ext>
+              </a:extLst>
+            </p:cNvPr>
+            <p:cNvSpPr txBox="1"/>
+            <p:nvPr/>
+          </p:nvSpPr>
+          <p:spPr>
+            <a:xfrm>
+              <a:off x="2143432" y="1620665"/>
+              <a:ext cx="8731045" cy="584775"/>
+            </a:xfrm>
+            <a:prstGeom prst="rect">
+              <a:avLst/>
+            </a:prstGeom>
+            <a:solidFill>
+              <a:srgbClr val="1D85AD"/>
+            </a:solidFill>
+            <a:ln w="28575">
+              <a:noFill/>
+            </a:ln>
+          </p:spPr>
+          <p:txBody>
+            <a:bodyPr wrap="square" rtlCol="0">
+              <a:spAutoFit/>
+            </a:bodyPr>
+            <a:lstStyle/>
+            <a:p>
+              <a:pPr algn="ctr"/>
+              <a:r>
+                <a:rPr lang="en-US" sz="3200" b="1" dirty="0">
+                  <a:solidFill>
+                    <a:schemeClr val="bg1"/>
+                  </a:solidFill>
+                  <a:latin typeface="Cera Pro Medium" panose="00000600000000000000" pitchFamily="50" charset="0"/>
+                </a:rPr>
+                <a:t>RESPIMATIC 100 WEB ANALYZER</a:t>
+              </a:r>
+              <a:endParaRPr lang="en-IN" sz="3200" b="1" dirty="0">
+                <a:solidFill>
+                  <a:schemeClr val="bg1"/>
+                </a:solidFill>
+                <a:latin typeface="Cera Pro Medium" panose="00000600000000000000" pitchFamily="50" charset="0"/>
+              </a:endParaRPr>
+            </a:p>
+          </p:txBody>
+        </p:sp>
+      </p:grpSp>
+    </p:spTree>
+    <p:extLst>
+      <p:ext uri="{BB962C8B-B14F-4D97-AF65-F5344CB8AC3E}">
+        <p14:creationId xmlns:p14="http://schemas.microsoft.com/office/powerpoint/2010/main" val="1890481987"/>
+      </p:ext>
+    </p:extLst>
+  </p:cSld>
+  <p:clrMapOvr>
+    <a:masterClrMapping/>
+  </p:clrMapOvr>
+</p:sld>
+</file>
+
+<file path=ppt/slides/slide2.xml><?xml version="1.0" encoding="utf-8"?>
+<p:sld xmlns:a="http://schemas.openxmlformats.org/drawingml/2006/main" xmlns:r="http://schemas.openxmlformats.org/officeDocument/2006/relationships" xmlns:p="http://schemas.openxmlformats.org/presentationml/2006/main">
+  <p:cSld>
+    <p:spTree>
+      <p:nvGrpSpPr>
+        <p:cNvPr id="1" name=""/>
+        <p:cNvGrpSpPr/>
+        <p:nvPr/>
+      </p:nvGrpSpPr>
+      <p:grpSpPr>
+        <a:xfrm>
+          <a:off x="0" y="0"/>
+          <a:ext cx="0" cy="0"/>
+          <a:chOff x="0" y="0"/>
+          <a:chExt cx="0" cy="0"/>
+        </a:xfrm>
+      </p:grpSpPr>
+      <p:sp>
+        <p:nvSpPr>
+          <p:cNvPr id="2" name="TextBox 1">
+            <a:extLst>
+              <a:ext uri="{FF2B5EF4-FFF2-40B4-BE49-F238E27FC236}">
+                <a16:creationId xmlns:a16="http://schemas.microsoft.com/office/drawing/2014/main" id="{3D2FF7A9-56A5-4601-9837-35BE510E6B48}"/>
               </a:ext>
             </a:extLst>
           </p:cNvPr>
@@ -4266,10 +4380,162 @@
           </a:p>
         </p:txBody>
       </p:sp>
+      <p:sp>
+        <p:nvSpPr>
+          <p:cNvPr id="3" name="TextBox 2">
+            <a:extLst>
+              <a:ext uri="{FF2B5EF4-FFF2-40B4-BE49-F238E27FC236}">
+                <a16:creationId xmlns:a16="http://schemas.microsoft.com/office/drawing/2014/main" id="{4614914C-3A10-47BE-9E8A-307B235F716B}"/>
+              </a:ext>
+            </a:extLst>
+          </p:cNvPr>
+          <p:cNvSpPr txBox="1"/>
+          <p:nvPr/>
+        </p:nvSpPr>
+        <p:spPr>
+          <a:xfrm>
+            <a:off x="2556385" y="4325891"/>
+            <a:ext cx="4316360" cy="954107"/>
+          </a:xfrm>
+          <a:prstGeom prst="rect">
+            <a:avLst/>
+          </a:prstGeom>
+          <a:solidFill>
+            <a:srgbClr val="1D85AD"/>
+          </a:solidFill>
+          <a:ln w="12700">
+            <a:solidFill>
+              <a:schemeClr val="bg1"/>
+            </a:solidFill>
+          </a:ln>
+        </p:spPr>
+        <p:txBody>
+          <a:bodyPr wrap="square" rtlCol="0">
+            <a:spAutoFit/>
+          </a:bodyPr>
+          <a:lstStyle/>
+          <a:p>
+            <a:pPr algn="ctr"/>
+            <a:r>
+              <a:rPr lang="en-US" sz="2800" b="1" dirty="0">
+                <a:solidFill>
+                  <a:schemeClr val="bg1"/>
+                </a:solidFill>
+                <a:latin typeface="Arial" panose="020B0604020202020204" pitchFamily="34" charset="0"/>
+                <a:cs typeface="Arial" panose="020B0604020202020204" pitchFamily="34" charset="0"/>
+              </a:rPr>
+              <a:t>WEB LOGGER </a:t>
+            </a:r>
+            <a:endParaRPr lang="en-US" sz="2800" b="1" i="1" dirty="0">
+              <a:solidFill>
+                <a:schemeClr val="bg1"/>
+              </a:solidFill>
+              <a:latin typeface="Arial" panose="020B0604020202020204" pitchFamily="34" charset="0"/>
+              <a:cs typeface="Arial" panose="020B0604020202020204" pitchFamily="34" charset="0"/>
+            </a:endParaRPr>
+          </a:p>
+          <a:p>
+            <a:pPr algn="ctr"/>
+            <a:r>
+              <a:rPr lang="en-US" sz="2800" b="1" dirty="0">
+                <a:solidFill>
+                  <a:schemeClr val="bg1"/>
+                </a:solidFill>
+                <a:latin typeface="Arial" panose="020B0604020202020204" pitchFamily="34" charset="0"/>
+                <a:cs typeface="Arial" panose="020B0604020202020204" pitchFamily="34" charset="0"/>
+              </a:rPr>
+              <a:t>RESPIMATIC 100 </a:t>
+            </a:r>
+            <a:endParaRPr lang="en-IN" sz="2800" b="1" dirty="0">
+              <a:solidFill>
+                <a:schemeClr val="bg1"/>
+              </a:solidFill>
+              <a:latin typeface="Arial" panose="020B0604020202020204" pitchFamily="34" charset="0"/>
+              <a:cs typeface="Arial" panose="020B0604020202020204" pitchFamily="34" charset="0"/>
+            </a:endParaRPr>
+          </a:p>
+        </p:txBody>
+      </p:sp>
+      <p:sp>
+        <p:nvSpPr>
+          <p:cNvPr id="4" name="TextBox 3">
+            <a:extLst>
+              <a:ext uri="{FF2B5EF4-FFF2-40B4-BE49-F238E27FC236}">
+                <a16:creationId xmlns:a16="http://schemas.microsoft.com/office/drawing/2014/main" id="{85EA2AED-ECAD-4732-B493-DAB85F130786}"/>
+              </a:ext>
+            </a:extLst>
+          </p:cNvPr>
+          <p:cNvSpPr txBox="1"/>
+          <p:nvPr/>
+        </p:nvSpPr>
+        <p:spPr>
+          <a:xfrm>
+            <a:off x="6971070" y="4320898"/>
+            <a:ext cx="4316360" cy="954107"/>
+          </a:xfrm>
+          <a:prstGeom prst="rect">
+            <a:avLst/>
+          </a:prstGeom>
+          <a:solidFill>
+            <a:srgbClr val="1D85AD"/>
+          </a:solidFill>
+          <a:ln w="12700">
+            <a:solidFill>
+              <a:schemeClr val="bg1"/>
+            </a:solidFill>
+          </a:ln>
+        </p:spPr>
+        <p:txBody>
+          <a:bodyPr wrap="square" rtlCol="0">
+            <a:spAutoFit/>
+          </a:bodyPr>
+          <a:lstStyle/>
+          <a:p>
+            <a:pPr algn="ctr"/>
+            <a:r>
+              <a:rPr lang="en-US" sz="2800" b="1" dirty="0">
+                <a:solidFill>
+                  <a:schemeClr val="bg1"/>
+                </a:solidFill>
+                <a:latin typeface="Arial" panose="020B0604020202020204" pitchFamily="34" charset="0"/>
+                <a:cs typeface="Arial" panose="020B0604020202020204" pitchFamily="34" charset="0"/>
+              </a:rPr>
+              <a:t>WEB DASHBOARD </a:t>
+            </a:r>
+            <a:endParaRPr lang="en-US" sz="2800" b="1" i="1" dirty="0">
+              <a:solidFill>
+                <a:schemeClr val="bg1"/>
+              </a:solidFill>
+              <a:latin typeface="Arial" panose="020B0604020202020204" pitchFamily="34" charset="0"/>
+              <a:cs typeface="Arial" panose="020B0604020202020204" pitchFamily="34" charset="0"/>
+            </a:endParaRPr>
+          </a:p>
+          <a:p>
+            <a:pPr algn="ctr"/>
+            <a:r>
+              <a:rPr lang="en-US" sz="2800" b="1" dirty="0">
+                <a:solidFill>
+                  <a:schemeClr val="bg1"/>
+                </a:solidFill>
+                <a:latin typeface="Arial" panose="020B0604020202020204" pitchFamily="34" charset="0"/>
+                <a:cs typeface="Arial" panose="020B0604020202020204" pitchFamily="34" charset="0"/>
+              </a:rPr>
+              <a:t>RESPIMATIC 100 </a:t>
+            </a:r>
+            <a:endParaRPr lang="en-IN" sz="2800" b="1" dirty="0">
+              <a:solidFill>
+                <a:schemeClr val="bg1"/>
+              </a:solidFill>
+              <a:latin typeface="Arial" panose="020B0604020202020204" pitchFamily="34" charset="0"/>
+              <a:cs typeface="Arial" panose="020B0604020202020204" pitchFamily="34" charset="0"/>
+            </a:endParaRPr>
+          </a:p>
+        </p:txBody>
+      </p:sp>
     </p:spTree>
     <p:extLst>
       <p:ext uri="{BB962C8B-B14F-4D97-AF65-F5344CB8AC3E}">
-        <p14:creationId xmlns:p14="http://schemas.microsoft.com/office/powerpoint/2010/main" val="1890481987"/>
+        <p14:creationId xmlns:p14="http://schemas.microsoft.com/office/powerpoint/2010/main" val="3728874481"/>
       </p:ext>
     </p:extLst>
   </p:cSld>
@@ -4279,7 +4545,7 @@
 </p:sld>
 </file>
 
-<file path=ppt/slides/slide2.xml><?xml version="1.0" encoding="utf-8"?>
+<file path=ppt/slides/slide3.xml><?xml version="1.0" encoding="utf-8"?>
 <p:sld xmlns:a="http://schemas.openxmlformats.org/drawingml/2006/main" xmlns:r="http://schemas.openxmlformats.org/officeDocument/2006/relationships" xmlns:p="http://schemas.openxmlformats.org/presentationml/2006/main">
   <p:cSld>
     <p:spTree>
@@ -4338,7 +4604,7 @@
 </p:sld>
 </file>
 
-<file path=ppt/slides/slide3.xml><?xml version="1.0" encoding="utf-8"?>
+<file path=ppt/slides/slide4.xml><?xml version="1.0" encoding="utf-8"?>
 <p:sld xmlns:a="http://schemas.openxmlformats.org/drawingml/2006/main" xmlns:r="http://schemas.openxmlformats.org/officeDocument/2006/relationships" xmlns:p="http://schemas.openxmlformats.org/presentationml/2006/main">
   <p:cSld>
     <p:spTree>

--- a/Logo.pptx
+++ b/Logo.pptx
@@ -264,7 +264,7 @@
           <a:p>
             <a:fld id="{4967892D-CE2D-495A-A9CA-7CB88C831AAA}" type="datetimeFigureOut">
               <a:rPr lang="en-IN" smtClean="0"/>
-              <a:t>04-08-2021</a:t>
+              <a:t>11-08-2021</a:t>
             </a:fld>
             <a:endParaRPr lang="en-IN"/>
           </a:p>
@@ -464,7 +464,7 @@
           <a:p>
             <a:fld id="{4967892D-CE2D-495A-A9CA-7CB88C831AAA}" type="datetimeFigureOut">
               <a:rPr lang="en-IN" smtClean="0"/>
-              <a:t>04-08-2021</a:t>
+              <a:t>11-08-2021</a:t>
             </a:fld>
             <a:endParaRPr lang="en-IN"/>
           </a:p>
@@ -674,7 +674,7 @@
           <a:p>
             <a:fld id="{4967892D-CE2D-495A-A9CA-7CB88C831AAA}" type="datetimeFigureOut">
               <a:rPr lang="en-IN" smtClean="0"/>
-              <a:t>04-08-2021</a:t>
+              <a:t>11-08-2021</a:t>
             </a:fld>
             <a:endParaRPr lang="en-IN"/>
           </a:p>
@@ -874,7 +874,7 @@
           <a:p>
             <a:fld id="{4967892D-CE2D-495A-A9CA-7CB88C831AAA}" type="datetimeFigureOut">
               <a:rPr lang="en-IN" smtClean="0"/>
-              <a:t>04-08-2021</a:t>
+              <a:t>11-08-2021</a:t>
             </a:fld>
             <a:endParaRPr lang="en-IN"/>
           </a:p>
@@ -1150,7 +1150,7 @@
           <a:p>
             <a:fld id="{4967892D-CE2D-495A-A9CA-7CB88C831AAA}" type="datetimeFigureOut">
               <a:rPr lang="en-IN" smtClean="0"/>
-              <a:t>04-08-2021</a:t>
+              <a:t>11-08-2021</a:t>
             </a:fld>
             <a:endParaRPr lang="en-IN"/>
           </a:p>
@@ -1418,7 +1418,7 @@
           <a:p>
             <a:fld id="{4967892D-CE2D-495A-A9CA-7CB88C831AAA}" type="datetimeFigureOut">
               <a:rPr lang="en-IN" smtClean="0"/>
-              <a:t>04-08-2021</a:t>
+              <a:t>11-08-2021</a:t>
             </a:fld>
             <a:endParaRPr lang="en-IN"/>
           </a:p>
@@ -1833,7 +1833,7 @@
           <a:p>
             <a:fld id="{4967892D-CE2D-495A-A9CA-7CB88C831AAA}" type="datetimeFigureOut">
               <a:rPr lang="en-IN" smtClean="0"/>
-              <a:t>04-08-2021</a:t>
+              <a:t>11-08-2021</a:t>
             </a:fld>
             <a:endParaRPr lang="en-IN"/>
           </a:p>
@@ -1975,7 +1975,7 @@
           <a:p>
             <a:fld id="{4967892D-CE2D-495A-A9CA-7CB88C831AAA}" type="datetimeFigureOut">
               <a:rPr lang="en-IN" smtClean="0"/>
-              <a:t>04-08-2021</a:t>
+              <a:t>11-08-2021</a:t>
             </a:fld>
             <a:endParaRPr lang="en-IN"/>
           </a:p>
@@ -2088,7 +2088,7 @@
           <a:p>
             <a:fld id="{4967892D-CE2D-495A-A9CA-7CB88C831AAA}" type="datetimeFigureOut">
               <a:rPr lang="en-IN" smtClean="0"/>
-              <a:t>04-08-2021</a:t>
+              <a:t>11-08-2021</a:t>
             </a:fld>
             <a:endParaRPr lang="en-IN"/>
           </a:p>
@@ -2401,7 +2401,7 @@
           <a:p>
             <a:fld id="{4967892D-CE2D-495A-A9CA-7CB88C831AAA}" type="datetimeFigureOut">
               <a:rPr lang="en-IN" smtClean="0"/>
-              <a:t>04-08-2021</a:t>
+              <a:t>11-08-2021</a:t>
             </a:fld>
             <a:endParaRPr lang="en-IN"/>
           </a:p>
@@ -2690,7 +2690,7 @@
           <a:p>
             <a:fld id="{4967892D-CE2D-495A-A9CA-7CB88C831AAA}" type="datetimeFigureOut">
               <a:rPr lang="en-IN" smtClean="0"/>
-              <a:t>04-08-2021</a:t>
+              <a:t>11-08-2021</a:t>
             </a:fld>
             <a:endParaRPr lang="en-IN"/>
           </a:p>
@@ -2933,7 +2933,7 @@
           <a:p>
             <a:fld id="{4967892D-CE2D-495A-A9CA-7CB88C831AAA}" type="datetimeFigureOut">
               <a:rPr lang="en-IN" smtClean="0"/>
-              <a:t>04-08-2021</a:t>
+              <a:t>11-08-2021</a:t>
             </a:fld>
             <a:endParaRPr lang="en-IN"/>
           </a:p>
@@ -3573,7 +3573,7 @@
                   </a:solidFill>
                   <a:latin typeface="Cera Pro Medium" panose="00000600000000000000" pitchFamily="50" charset="0"/>
                 </a:rPr>
-                <a:t>RESPIMATIC 100 WEB LOGGER</a:t>
+                <a:t>RESPIMATIC 100 WEB RECORDER</a:t>
               </a:r>
               <a:endParaRPr lang="en-IN" sz="3200" b="1" dirty="0">
                 <a:solidFill>
@@ -4424,7 +4424,7 @@
                 <a:latin typeface="Arial" panose="020B0604020202020204" pitchFamily="34" charset="0"/>
                 <a:cs typeface="Arial" panose="020B0604020202020204" pitchFamily="34" charset="0"/>
               </a:rPr>
-              <a:t>WEB LOGGER </a:t>
+              <a:t>WEB RECORDER </a:t>
             </a:r>
             <a:endParaRPr lang="en-US" sz="2800" b="1" i="1" dirty="0">
               <a:solidFill>

--- a/Logo.pptx
+++ b/Logo.pptx
@@ -264,7 +264,7 @@
           <a:p>
             <a:fld id="{4967892D-CE2D-495A-A9CA-7CB88C831AAA}" type="datetimeFigureOut">
               <a:rPr lang="en-IN" smtClean="0"/>
-              <a:t>11-08-2021</a:t>
+              <a:t>29-08-2021</a:t>
             </a:fld>
             <a:endParaRPr lang="en-IN"/>
           </a:p>
@@ -464,7 +464,7 @@
           <a:p>
             <a:fld id="{4967892D-CE2D-495A-A9CA-7CB88C831AAA}" type="datetimeFigureOut">
               <a:rPr lang="en-IN" smtClean="0"/>
-              <a:t>11-08-2021</a:t>
+              <a:t>29-08-2021</a:t>
             </a:fld>
             <a:endParaRPr lang="en-IN"/>
           </a:p>
@@ -674,7 +674,7 @@
           <a:p>
             <a:fld id="{4967892D-CE2D-495A-A9CA-7CB88C831AAA}" type="datetimeFigureOut">
               <a:rPr lang="en-IN" smtClean="0"/>
-              <a:t>11-08-2021</a:t>
+              <a:t>29-08-2021</a:t>
             </a:fld>
             <a:endParaRPr lang="en-IN"/>
           </a:p>
@@ -874,7 +874,7 @@
           <a:p>
             <a:fld id="{4967892D-CE2D-495A-A9CA-7CB88C831AAA}" type="datetimeFigureOut">
               <a:rPr lang="en-IN" smtClean="0"/>
-              <a:t>11-08-2021</a:t>
+              <a:t>29-08-2021</a:t>
             </a:fld>
             <a:endParaRPr lang="en-IN"/>
           </a:p>
@@ -1150,7 +1150,7 @@
           <a:p>
             <a:fld id="{4967892D-CE2D-495A-A9CA-7CB88C831AAA}" type="datetimeFigureOut">
               <a:rPr lang="en-IN" smtClean="0"/>
-              <a:t>11-08-2021</a:t>
+              <a:t>29-08-2021</a:t>
             </a:fld>
             <a:endParaRPr lang="en-IN"/>
           </a:p>
@@ -1418,7 +1418,7 @@
           <a:p>
             <a:fld id="{4967892D-CE2D-495A-A9CA-7CB88C831AAA}" type="datetimeFigureOut">
               <a:rPr lang="en-IN" smtClean="0"/>
-              <a:t>11-08-2021</a:t>
+              <a:t>29-08-2021</a:t>
             </a:fld>
             <a:endParaRPr lang="en-IN"/>
           </a:p>
@@ -1833,7 +1833,7 @@
           <a:p>
             <a:fld id="{4967892D-CE2D-495A-A9CA-7CB88C831AAA}" type="datetimeFigureOut">
               <a:rPr lang="en-IN" smtClean="0"/>
-              <a:t>11-08-2021</a:t>
+              <a:t>29-08-2021</a:t>
             </a:fld>
             <a:endParaRPr lang="en-IN"/>
           </a:p>
@@ -1975,7 +1975,7 @@
           <a:p>
             <a:fld id="{4967892D-CE2D-495A-A9CA-7CB88C831AAA}" type="datetimeFigureOut">
               <a:rPr lang="en-IN" smtClean="0"/>
-              <a:t>11-08-2021</a:t>
+              <a:t>29-08-2021</a:t>
             </a:fld>
             <a:endParaRPr lang="en-IN"/>
           </a:p>
@@ -2088,7 +2088,7 @@
           <a:p>
             <a:fld id="{4967892D-CE2D-495A-A9CA-7CB88C831AAA}" type="datetimeFigureOut">
               <a:rPr lang="en-IN" smtClean="0"/>
-              <a:t>11-08-2021</a:t>
+              <a:t>29-08-2021</a:t>
             </a:fld>
             <a:endParaRPr lang="en-IN"/>
           </a:p>
@@ -2401,7 +2401,7 @@
           <a:p>
             <a:fld id="{4967892D-CE2D-495A-A9CA-7CB88C831AAA}" type="datetimeFigureOut">
               <a:rPr lang="en-IN" smtClean="0"/>
-              <a:t>11-08-2021</a:t>
+              <a:t>29-08-2021</a:t>
             </a:fld>
             <a:endParaRPr lang="en-IN"/>
           </a:p>
@@ -2690,7 +2690,7 @@
           <a:p>
             <a:fld id="{4967892D-CE2D-495A-A9CA-7CB88C831AAA}" type="datetimeFigureOut">
               <a:rPr lang="en-IN" smtClean="0"/>
-              <a:t>11-08-2021</a:t>
+              <a:t>29-08-2021</a:t>
             </a:fld>
             <a:endParaRPr lang="en-IN"/>
           </a:p>
@@ -2933,7 +2933,7 @@
           <a:p>
             <a:fld id="{4967892D-CE2D-495A-A9CA-7CB88C831AAA}" type="datetimeFigureOut">
               <a:rPr lang="en-IN" smtClean="0"/>
-              <a:t>11-08-2021</a:t>
+              <a:t>29-08-2021</a:t>
             </a:fld>
             <a:endParaRPr lang="en-IN"/>
           </a:p>
@@ -4501,6 +4501,102 @@
                 <a:cs typeface="Arial" panose="020B0604020202020204" pitchFamily="34" charset="0"/>
               </a:rPr>
               <a:t>WEB DASHBOARD </a:t>
+            </a:r>
+            <a:endParaRPr lang="en-US" sz="2800" b="1" i="1" dirty="0">
+              <a:solidFill>
+                <a:schemeClr val="bg1"/>
+              </a:solidFill>
+              <a:latin typeface="Arial" panose="020B0604020202020204" pitchFamily="34" charset="0"/>
+              <a:cs typeface="Arial" panose="020B0604020202020204" pitchFamily="34" charset="0"/>
+            </a:endParaRPr>
+          </a:p>
+          <a:p>
+            <a:pPr algn="ctr"/>
+            <a:r>
+              <a:rPr lang="en-US" sz="2800" b="1" dirty="0">
+                <a:solidFill>
+                  <a:schemeClr val="bg1"/>
+                </a:solidFill>
+                <a:latin typeface="Arial" panose="020B0604020202020204" pitchFamily="34" charset="0"/>
+                <a:cs typeface="Arial" panose="020B0604020202020204" pitchFamily="34" charset="0"/>
+              </a:rPr>
+              <a:t>RESPIMATIC 100 </a:t>
+            </a:r>
+            <a:endParaRPr lang="en-IN" sz="2800" b="1" dirty="0">
+              <a:solidFill>
+                <a:schemeClr val="bg1"/>
+              </a:solidFill>
+              <a:latin typeface="Arial" panose="020B0604020202020204" pitchFamily="34" charset="0"/>
+              <a:cs typeface="Arial" panose="020B0604020202020204" pitchFamily="34" charset="0"/>
+            </a:endParaRPr>
+          </a:p>
+        </p:txBody>
+      </p:sp>
+      <p:sp>
+        <p:nvSpPr>
+          <p:cNvPr id="5" name="TextBox 4">
+            <a:extLst>
+              <a:ext uri="{FF2B5EF4-FFF2-40B4-BE49-F238E27FC236}">
+                <a16:creationId xmlns:a16="http://schemas.microsoft.com/office/drawing/2014/main" id="{4F108DFE-53E2-4B30-8A35-5C6CE741755D}"/>
+              </a:ext>
+            </a:extLst>
+          </p:cNvPr>
+          <p:cNvSpPr txBox="1"/>
+          <p:nvPr/>
+        </p:nvSpPr>
+        <p:spPr>
+          <a:xfrm>
+            <a:off x="260552" y="1831622"/>
+            <a:ext cx="4316360" cy="954107"/>
+          </a:xfrm>
+          <a:prstGeom prst="rect">
+            <a:avLst/>
+          </a:prstGeom>
+          <a:solidFill>
+            <a:srgbClr val="1D85AD"/>
+          </a:solidFill>
+          <a:ln w="12700">
+            <a:solidFill>
+              <a:schemeClr val="bg1"/>
+            </a:solidFill>
+          </a:ln>
+        </p:spPr>
+        <p:txBody>
+          <a:bodyPr wrap="square" rtlCol="0">
+            <a:spAutoFit/>
+          </a:bodyPr>
+          <a:lstStyle/>
+          <a:p>
+            <a:pPr algn="ctr"/>
+            <a:r>
+              <a:rPr lang="en-US" sz="2800" b="1" dirty="0">
+                <a:solidFill>
+                  <a:schemeClr val="bg1"/>
+                </a:solidFill>
+                <a:latin typeface="Arial" panose="020B0604020202020204" pitchFamily="34" charset="0"/>
+                <a:cs typeface="Arial" panose="020B0604020202020204" pitchFamily="34" charset="0"/>
+              </a:rPr>
+              <a:t>O</a:t>
+            </a:r>
+            <a:r>
+              <a:rPr lang="en-US" sz="2800" b="1" baseline="-25000" dirty="0">
+                <a:solidFill>
+                  <a:schemeClr val="bg1"/>
+                </a:solidFill>
+                <a:latin typeface="Arial" panose="020B0604020202020204" pitchFamily="34" charset="0"/>
+                <a:cs typeface="Arial" panose="020B0604020202020204" pitchFamily="34" charset="0"/>
+              </a:rPr>
+              <a:t>2</a:t>
+            </a:r>
+            <a:r>
+              <a:rPr lang="en-US" sz="2800" b="1" dirty="0">
+                <a:solidFill>
+                  <a:schemeClr val="bg1"/>
+                </a:solidFill>
+                <a:latin typeface="Arial" panose="020B0604020202020204" pitchFamily="34" charset="0"/>
+                <a:cs typeface="Arial" panose="020B0604020202020204" pitchFamily="34" charset="0"/>
+              </a:rPr>
+              <a:t> Flow Rate Calculator</a:t>
             </a:r>
             <a:endParaRPr lang="en-US" sz="2800" b="1" i="1" dirty="0">
               <a:solidFill>
